--- a/slide/figs.pptx
+++ b/slide/figs.pptx
@@ -4,9 +4,15 @@
   <p:sldMasterIdLst>
     <p:sldMasterId id="2147483648" r:id="rId1"/>
   </p:sldMasterIdLst>
+  <p:notesMasterIdLst>
+    <p:notesMasterId r:id="rId7"/>
+  </p:notesMasterIdLst>
   <p:sldIdLst>
     <p:sldId id="256" r:id="rId2"/>
     <p:sldId id="257" r:id="rId3"/>
+    <p:sldId id="260" r:id="rId4"/>
+    <p:sldId id="258" r:id="rId5"/>
+    <p:sldId id="259" r:id="rId6"/>
   </p:sldIdLst>
   <p:sldSz cx="9144000" cy="6858000" type="screen4x3"/>
   <p:notesSz cx="6858000" cy="9144000"/>
@@ -108,6 +114,440 @@
 </p:presentation>
 </file>
 
+<file path=ppt/notesMasters/notesMaster1.xml><?xml version="1.0" encoding="utf-8"?>
+<p:notesMaster xmlns:a="http://schemas.openxmlformats.org/drawingml/2006/main" xmlns:r="http://schemas.openxmlformats.org/officeDocument/2006/relationships" xmlns:p="http://schemas.openxmlformats.org/presentationml/2006/main">
+  <p:cSld>
+    <p:bg>
+      <p:bgRef idx="1001">
+        <a:schemeClr val="bg1"/>
+      </p:bgRef>
+    </p:bg>
+    <p:spTree>
+      <p:nvGrpSpPr>
+        <p:cNvPr id="1" name=""/>
+        <p:cNvGrpSpPr/>
+        <p:nvPr/>
+      </p:nvGrpSpPr>
+      <p:grpSpPr>
+        <a:xfrm>
+          <a:off x="0" y="0"/>
+          <a:ext cx="0" cy="0"/>
+          <a:chOff x="0" y="0"/>
+          <a:chExt cx="0" cy="0"/>
+        </a:xfrm>
+      </p:grpSpPr>
+      <p:sp>
+        <p:nvSpPr>
+          <p:cNvPr id="2" name="Header Placeholder 1"/>
+          <p:cNvSpPr>
+            <a:spLocks noGrp="1"/>
+          </p:cNvSpPr>
+          <p:nvPr>
+            <p:ph type="hdr" sz="quarter"/>
+          </p:nvPr>
+        </p:nvSpPr>
+        <p:spPr>
+          <a:xfrm>
+            <a:off x="0" y="0"/>
+            <a:ext cx="2971800" cy="457200"/>
+          </a:xfrm>
+          <a:prstGeom prst="rect">
+            <a:avLst/>
+          </a:prstGeom>
+        </p:spPr>
+        <p:txBody>
+          <a:bodyPr vert="horz" lIns="91440" tIns="45720" rIns="91440" bIns="45720" rtlCol="0"/>
+          <a:lstStyle>
+            <a:lvl1pPr algn="l">
+              <a:defRPr sz="1200"/>
+            </a:lvl1pPr>
+          </a:lstStyle>
+          <a:p>
+            <a:endParaRPr lang="en-US"/>
+          </a:p>
+        </p:txBody>
+      </p:sp>
+      <p:sp>
+        <p:nvSpPr>
+          <p:cNvPr id="3" name="Date Placeholder 2"/>
+          <p:cNvSpPr>
+            <a:spLocks noGrp="1"/>
+          </p:cNvSpPr>
+          <p:nvPr>
+            <p:ph type="dt" idx="1"/>
+          </p:nvPr>
+        </p:nvSpPr>
+        <p:spPr>
+          <a:xfrm>
+            <a:off x="3884613" y="0"/>
+            <a:ext cx="2971800" cy="457200"/>
+          </a:xfrm>
+          <a:prstGeom prst="rect">
+            <a:avLst/>
+          </a:prstGeom>
+        </p:spPr>
+        <p:txBody>
+          <a:bodyPr vert="horz" lIns="91440" tIns="45720" rIns="91440" bIns="45720" rtlCol="0"/>
+          <a:lstStyle>
+            <a:lvl1pPr algn="r">
+              <a:defRPr sz="1200"/>
+            </a:lvl1pPr>
+          </a:lstStyle>
+          <a:p>
+            <a:fld id="{D0866D6C-E805-4A3F-ABC9-0F187CDEA067}" type="datetimeFigureOut">
+              <a:rPr lang="en-US" smtClean="0"/>
+              <a:t>5/8/2016</a:t>
+            </a:fld>
+            <a:endParaRPr lang="en-US"/>
+          </a:p>
+        </p:txBody>
+      </p:sp>
+      <p:sp>
+        <p:nvSpPr>
+          <p:cNvPr id="4" name="Slide Image Placeholder 3"/>
+          <p:cNvSpPr>
+            <a:spLocks noGrp="1" noRot="1" noChangeAspect="1"/>
+          </p:cNvSpPr>
+          <p:nvPr>
+            <p:ph type="sldImg" idx="2"/>
+          </p:nvPr>
+        </p:nvSpPr>
+        <p:spPr>
+          <a:xfrm>
+            <a:off x="1143000" y="685800"/>
+            <a:ext cx="4572000" cy="3429000"/>
+          </a:xfrm>
+          <a:prstGeom prst="rect">
+            <a:avLst/>
+          </a:prstGeom>
+          <a:noFill/>
+          <a:ln w="12700">
+            <a:solidFill>
+              <a:prstClr val="black"/>
+            </a:solidFill>
+          </a:ln>
+        </p:spPr>
+        <p:txBody>
+          <a:bodyPr vert="horz" lIns="91440" tIns="45720" rIns="91440" bIns="45720" rtlCol="0" anchor="ctr"/>
+          <a:lstStyle/>
+          <a:p>
+            <a:endParaRPr lang="en-US"/>
+          </a:p>
+        </p:txBody>
+      </p:sp>
+      <p:sp>
+        <p:nvSpPr>
+          <p:cNvPr id="5" name="Notes Placeholder 4"/>
+          <p:cNvSpPr>
+            <a:spLocks noGrp="1"/>
+          </p:cNvSpPr>
+          <p:nvPr>
+            <p:ph type="body" sz="quarter" idx="3"/>
+          </p:nvPr>
+        </p:nvSpPr>
+        <p:spPr>
+          <a:xfrm>
+            <a:off x="685800" y="4343400"/>
+            <a:ext cx="5486400" cy="4114800"/>
+          </a:xfrm>
+          <a:prstGeom prst="rect">
+            <a:avLst/>
+          </a:prstGeom>
+        </p:spPr>
+        <p:txBody>
+          <a:bodyPr vert="horz" lIns="91440" tIns="45720" rIns="91440" bIns="45720" rtlCol="0"/>
+          <a:lstStyle/>
+          <a:p>
+            <a:pPr lvl="0"/>
+            <a:r>
+              <a:rPr lang="en-US" smtClean="0"/>
+              <a:t>Click to edit Master text styles</a:t>
+            </a:r>
+          </a:p>
+          <a:p>
+            <a:pPr lvl="1"/>
+            <a:r>
+              <a:rPr lang="en-US" smtClean="0"/>
+              <a:t>Second level</a:t>
+            </a:r>
+          </a:p>
+          <a:p>
+            <a:pPr lvl="2"/>
+            <a:r>
+              <a:rPr lang="en-US" smtClean="0"/>
+              <a:t>Third level</a:t>
+            </a:r>
+          </a:p>
+          <a:p>
+            <a:pPr lvl="3"/>
+            <a:r>
+              <a:rPr lang="en-US" smtClean="0"/>
+              <a:t>Fourth level</a:t>
+            </a:r>
+          </a:p>
+          <a:p>
+            <a:pPr lvl="4"/>
+            <a:r>
+              <a:rPr lang="en-US" smtClean="0"/>
+              <a:t>Fifth level</a:t>
+            </a:r>
+            <a:endParaRPr lang="en-US"/>
+          </a:p>
+        </p:txBody>
+      </p:sp>
+      <p:sp>
+        <p:nvSpPr>
+          <p:cNvPr id="6" name="Footer Placeholder 5"/>
+          <p:cNvSpPr>
+            <a:spLocks noGrp="1"/>
+          </p:cNvSpPr>
+          <p:nvPr>
+            <p:ph type="ftr" sz="quarter" idx="4"/>
+          </p:nvPr>
+        </p:nvSpPr>
+        <p:spPr>
+          <a:xfrm>
+            <a:off x="0" y="8685213"/>
+            <a:ext cx="2971800" cy="457200"/>
+          </a:xfrm>
+          <a:prstGeom prst="rect">
+            <a:avLst/>
+          </a:prstGeom>
+        </p:spPr>
+        <p:txBody>
+          <a:bodyPr vert="horz" lIns="91440" tIns="45720" rIns="91440" bIns="45720" rtlCol="0" anchor="b"/>
+          <a:lstStyle>
+            <a:lvl1pPr algn="l">
+              <a:defRPr sz="1200"/>
+            </a:lvl1pPr>
+          </a:lstStyle>
+          <a:p>
+            <a:endParaRPr lang="en-US"/>
+          </a:p>
+        </p:txBody>
+      </p:sp>
+      <p:sp>
+        <p:nvSpPr>
+          <p:cNvPr id="7" name="Slide Number Placeholder 6"/>
+          <p:cNvSpPr>
+            <a:spLocks noGrp="1"/>
+          </p:cNvSpPr>
+          <p:nvPr>
+            <p:ph type="sldNum" sz="quarter" idx="5"/>
+          </p:nvPr>
+        </p:nvSpPr>
+        <p:spPr>
+          <a:xfrm>
+            <a:off x="3884613" y="8685213"/>
+            <a:ext cx="2971800" cy="457200"/>
+          </a:xfrm>
+          <a:prstGeom prst="rect">
+            <a:avLst/>
+          </a:prstGeom>
+        </p:spPr>
+        <p:txBody>
+          <a:bodyPr vert="horz" lIns="91440" tIns="45720" rIns="91440" bIns="45720" rtlCol="0" anchor="b"/>
+          <a:lstStyle>
+            <a:lvl1pPr algn="r">
+              <a:defRPr sz="1200"/>
+            </a:lvl1pPr>
+          </a:lstStyle>
+          <a:p>
+            <a:fld id="{48EF3166-3CA6-4118-B2D8-56801BCCD1DA}" type="slidenum">
+              <a:rPr lang="en-US" smtClean="0"/>
+              <a:t>‹#›</a:t>
+            </a:fld>
+            <a:endParaRPr lang="en-US"/>
+          </a:p>
+        </p:txBody>
+      </p:sp>
+    </p:spTree>
+    <p:extLst>
+      <p:ext uri="{BB962C8B-B14F-4D97-AF65-F5344CB8AC3E}">
+        <p14:creationId xmlns:p14="http://schemas.microsoft.com/office/powerpoint/2010/main" val="2056791402"/>
+      </p:ext>
+    </p:extLst>
+  </p:cSld>
+  <p:clrMap bg1="lt1" tx1="dk1" bg2="lt2" tx2="dk2" accent1="accent1" accent2="accent2" accent3="accent3" accent4="accent4" accent5="accent5" accent6="accent6" hlink="hlink" folHlink="folHlink"/>
+  <p:notesStyle>
+    <a:lvl1pPr marL="0" algn="l" defTabSz="914400" rtl="0" eaLnBrk="1" latinLnBrk="0" hangingPunct="1">
+      <a:defRPr sz="1200" kern="1200">
+        <a:solidFill>
+          <a:schemeClr val="tx1"/>
+        </a:solidFill>
+        <a:latin typeface="+mn-lt"/>
+        <a:ea typeface="+mn-ea"/>
+        <a:cs typeface="+mn-cs"/>
+      </a:defRPr>
+    </a:lvl1pPr>
+    <a:lvl2pPr marL="457200" algn="l" defTabSz="914400" rtl="0" eaLnBrk="1" latinLnBrk="0" hangingPunct="1">
+      <a:defRPr sz="1200" kern="1200">
+        <a:solidFill>
+          <a:schemeClr val="tx1"/>
+        </a:solidFill>
+        <a:latin typeface="+mn-lt"/>
+        <a:ea typeface="+mn-ea"/>
+        <a:cs typeface="+mn-cs"/>
+      </a:defRPr>
+    </a:lvl2pPr>
+    <a:lvl3pPr marL="914400" algn="l" defTabSz="914400" rtl="0" eaLnBrk="1" latinLnBrk="0" hangingPunct="1">
+      <a:defRPr sz="1200" kern="1200">
+        <a:solidFill>
+          <a:schemeClr val="tx1"/>
+        </a:solidFill>
+        <a:latin typeface="+mn-lt"/>
+        <a:ea typeface="+mn-ea"/>
+        <a:cs typeface="+mn-cs"/>
+      </a:defRPr>
+    </a:lvl3pPr>
+    <a:lvl4pPr marL="1371600" algn="l" defTabSz="914400" rtl="0" eaLnBrk="1" latinLnBrk="0" hangingPunct="1">
+      <a:defRPr sz="1200" kern="1200">
+        <a:solidFill>
+          <a:schemeClr val="tx1"/>
+        </a:solidFill>
+        <a:latin typeface="+mn-lt"/>
+        <a:ea typeface="+mn-ea"/>
+        <a:cs typeface="+mn-cs"/>
+      </a:defRPr>
+    </a:lvl4pPr>
+    <a:lvl5pPr marL="1828800" algn="l" defTabSz="914400" rtl="0" eaLnBrk="1" latinLnBrk="0" hangingPunct="1">
+      <a:defRPr sz="1200" kern="1200">
+        <a:solidFill>
+          <a:schemeClr val="tx1"/>
+        </a:solidFill>
+        <a:latin typeface="+mn-lt"/>
+        <a:ea typeface="+mn-ea"/>
+        <a:cs typeface="+mn-cs"/>
+      </a:defRPr>
+    </a:lvl5pPr>
+    <a:lvl6pPr marL="2286000" algn="l" defTabSz="914400" rtl="0" eaLnBrk="1" latinLnBrk="0" hangingPunct="1">
+      <a:defRPr sz="1200" kern="1200">
+        <a:solidFill>
+          <a:schemeClr val="tx1"/>
+        </a:solidFill>
+        <a:latin typeface="+mn-lt"/>
+        <a:ea typeface="+mn-ea"/>
+        <a:cs typeface="+mn-cs"/>
+      </a:defRPr>
+    </a:lvl6pPr>
+    <a:lvl7pPr marL="2743200" algn="l" defTabSz="914400" rtl="0" eaLnBrk="1" latinLnBrk="0" hangingPunct="1">
+      <a:defRPr sz="1200" kern="1200">
+        <a:solidFill>
+          <a:schemeClr val="tx1"/>
+        </a:solidFill>
+        <a:latin typeface="+mn-lt"/>
+        <a:ea typeface="+mn-ea"/>
+        <a:cs typeface="+mn-cs"/>
+      </a:defRPr>
+    </a:lvl7pPr>
+    <a:lvl8pPr marL="3200400" algn="l" defTabSz="914400" rtl="0" eaLnBrk="1" latinLnBrk="0" hangingPunct="1">
+      <a:defRPr sz="1200" kern="1200">
+        <a:solidFill>
+          <a:schemeClr val="tx1"/>
+        </a:solidFill>
+        <a:latin typeface="+mn-lt"/>
+        <a:ea typeface="+mn-ea"/>
+        <a:cs typeface="+mn-cs"/>
+      </a:defRPr>
+    </a:lvl8pPr>
+    <a:lvl9pPr marL="3657600" algn="l" defTabSz="914400" rtl="0" eaLnBrk="1" latinLnBrk="0" hangingPunct="1">
+      <a:defRPr sz="1200" kern="1200">
+        <a:solidFill>
+          <a:schemeClr val="tx1"/>
+        </a:solidFill>
+        <a:latin typeface="+mn-lt"/>
+        <a:ea typeface="+mn-ea"/>
+        <a:cs typeface="+mn-cs"/>
+      </a:defRPr>
+    </a:lvl9pPr>
+  </p:notesStyle>
+</p:notesMaster>
+</file>
+
+<file path=ppt/notesSlides/notesSlide1.xml><?xml version="1.0" encoding="utf-8"?>
+<p:notes xmlns:a="http://schemas.openxmlformats.org/drawingml/2006/main" xmlns:r="http://schemas.openxmlformats.org/officeDocument/2006/relationships" xmlns:p="http://schemas.openxmlformats.org/presentationml/2006/main">
+  <p:cSld>
+    <p:spTree>
+      <p:nvGrpSpPr>
+        <p:cNvPr id="1" name=""/>
+        <p:cNvGrpSpPr/>
+        <p:nvPr/>
+      </p:nvGrpSpPr>
+      <p:grpSpPr>
+        <a:xfrm>
+          <a:off x="0" y="0"/>
+          <a:ext cx="0" cy="0"/>
+          <a:chOff x="0" y="0"/>
+          <a:chExt cx="0" cy="0"/>
+        </a:xfrm>
+      </p:grpSpPr>
+      <p:sp>
+        <p:nvSpPr>
+          <p:cNvPr id="2" name="Slide Image Placeholder 1"/>
+          <p:cNvSpPr>
+            <a:spLocks noGrp="1" noRot="1" noChangeAspect="1"/>
+          </p:cNvSpPr>
+          <p:nvPr>
+            <p:ph type="sldImg"/>
+          </p:nvPr>
+        </p:nvSpPr>
+        <p:spPr/>
+      </p:sp>
+      <p:sp>
+        <p:nvSpPr>
+          <p:cNvPr id="3" name="Notes Placeholder 2"/>
+          <p:cNvSpPr>
+            <a:spLocks noGrp="1"/>
+          </p:cNvSpPr>
+          <p:nvPr>
+            <p:ph type="body" idx="1"/>
+          </p:nvPr>
+        </p:nvSpPr>
+        <p:spPr/>
+        <p:txBody>
+          <a:bodyPr/>
+          <a:lstStyle/>
+          <a:p>
+            <a:endParaRPr lang="en-US" dirty="0"/>
+          </a:p>
+        </p:txBody>
+      </p:sp>
+      <p:sp>
+        <p:nvSpPr>
+          <p:cNvPr id="4" name="Slide Number Placeholder 3"/>
+          <p:cNvSpPr>
+            <a:spLocks noGrp="1"/>
+          </p:cNvSpPr>
+          <p:nvPr>
+            <p:ph type="sldNum" sz="quarter" idx="10"/>
+          </p:nvPr>
+        </p:nvSpPr>
+        <p:spPr/>
+        <p:txBody>
+          <a:bodyPr/>
+          <a:lstStyle/>
+          <a:p>
+            <a:fld id="{48EF3166-3CA6-4118-B2D8-56801BCCD1DA}" type="slidenum">
+              <a:rPr lang="en-US" smtClean="0"/>
+              <a:t>4</a:t>
+            </a:fld>
+            <a:endParaRPr lang="en-US"/>
+          </a:p>
+        </p:txBody>
+      </p:sp>
+    </p:spTree>
+    <p:extLst>
+      <p:ext uri="{BB962C8B-B14F-4D97-AF65-F5344CB8AC3E}">
+        <p14:creationId xmlns:p14="http://schemas.microsoft.com/office/powerpoint/2010/main" val="991764468"/>
+      </p:ext>
+    </p:extLst>
+  </p:cSld>
+  <p:clrMapOvr>
+    <a:masterClrMapping/>
+  </p:clrMapOvr>
+</p:notes>
+</file>
+
 <file path=ppt/slideLayouts/slideLayout1.xml><?xml version="1.0" encoding="utf-8"?>
 <p:sldLayout xmlns:a="http://schemas.openxmlformats.org/drawingml/2006/main" xmlns:r="http://schemas.openxmlformats.org/officeDocument/2006/relationships" xmlns:p="http://schemas.openxmlformats.org/presentationml/2006/main" type="title" preserve="1">
   <p:cSld name="Title Slide">
@@ -289,7 +729,7 @@
           <a:p>
             <a:fld id="{F50C4330-F7AC-42C2-96F3-A946BE444215}" type="datetimeFigureOut">
               <a:rPr lang="en-US" smtClean="0"/>
-              <a:t>5/6/2016</a:t>
+              <a:t>5/8/2016</a:t>
             </a:fld>
             <a:endParaRPr lang="en-US"/>
           </a:p>
@@ -459,7 +899,7 @@
           <a:p>
             <a:fld id="{F50C4330-F7AC-42C2-96F3-A946BE444215}" type="datetimeFigureOut">
               <a:rPr lang="en-US" smtClean="0"/>
-              <a:t>5/6/2016</a:t>
+              <a:t>5/8/2016</a:t>
             </a:fld>
             <a:endParaRPr lang="en-US"/>
           </a:p>
@@ -639,7 +1079,7 @@
           <a:p>
             <a:fld id="{F50C4330-F7AC-42C2-96F3-A946BE444215}" type="datetimeFigureOut">
               <a:rPr lang="en-US" smtClean="0"/>
-              <a:t>5/6/2016</a:t>
+              <a:t>5/8/2016</a:t>
             </a:fld>
             <a:endParaRPr lang="en-US"/>
           </a:p>
@@ -809,7 +1249,7 @@
           <a:p>
             <a:fld id="{F50C4330-F7AC-42C2-96F3-A946BE444215}" type="datetimeFigureOut">
               <a:rPr lang="en-US" smtClean="0"/>
-              <a:t>5/6/2016</a:t>
+              <a:t>5/8/2016</a:t>
             </a:fld>
             <a:endParaRPr lang="en-US"/>
           </a:p>
@@ -1055,7 +1495,7 @@
           <a:p>
             <a:fld id="{F50C4330-F7AC-42C2-96F3-A946BE444215}" type="datetimeFigureOut">
               <a:rPr lang="en-US" smtClean="0"/>
-              <a:t>5/6/2016</a:t>
+              <a:t>5/8/2016</a:t>
             </a:fld>
             <a:endParaRPr lang="en-US"/>
           </a:p>
@@ -1343,7 +1783,7 @@
           <a:p>
             <a:fld id="{F50C4330-F7AC-42C2-96F3-A946BE444215}" type="datetimeFigureOut">
               <a:rPr lang="en-US" smtClean="0"/>
-              <a:t>5/6/2016</a:t>
+              <a:t>5/8/2016</a:t>
             </a:fld>
             <a:endParaRPr lang="en-US"/>
           </a:p>
@@ -1765,7 +2205,7 @@
           <a:p>
             <a:fld id="{F50C4330-F7AC-42C2-96F3-A946BE444215}" type="datetimeFigureOut">
               <a:rPr lang="en-US" smtClean="0"/>
-              <a:t>5/6/2016</a:t>
+              <a:t>5/8/2016</a:t>
             </a:fld>
             <a:endParaRPr lang="en-US"/>
           </a:p>
@@ -1883,7 +2323,7 @@
           <a:p>
             <a:fld id="{F50C4330-F7AC-42C2-96F3-A946BE444215}" type="datetimeFigureOut">
               <a:rPr lang="en-US" smtClean="0"/>
-              <a:t>5/6/2016</a:t>
+              <a:t>5/8/2016</a:t>
             </a:fld>
             <a:endParaRPr lang="en-US"/>
           </a:p>
@@ -1978,7 +2418,7 @@
           <a:p>
             <a:fld id="{F50C4330-F7AC-42C2-96F3-A946BE444215}" type="datetimeFigureOut">
               <a:rPr lang="en-US" smtClean="0"/>
-              <a:t>5/6/2016</a:t>
+              <a:t>5/8/2016</a:t>
             </a:fld>
             <a:endParaRPr lang="en-US"/>
           </a:p>
@@ -2255,7 +2695,7 @@
           <a:p>
             <a:fld id="{F50C4330-F7AC-42C2-96F3-A946BE444215}" type="datetimeFigureOut">
               <a:rPr lang="en-US" smtClean="0"/>
-              <a:t>5/6/2016</a:t>
+              <a:t>5/8/2016</a:t>
             </a:fld>
             <a:endParaRPr lang="en-US"/>
           </a:p>
@@ -2508,7 +2948,7 @@
           <a:p>
             <a:fld id="{F50C4330-F7AC-42C2-96F3-A946BE444215}" type="datetimeFigureOut">
               <a:rPr lang="en-US" smtClean="0"/>
-              <a:t>5/6/2016</a:t>
+              <a:t>5/8/2016</a:t>
             </a:fld>
             <a:endParaRPr lang="en-US"/>
           </a:p>
@@ -2721,7 +3161,7 @@
           <a:p>
             <a:fld id="{F50C4330-F7AC-42C2-96F3-A946BE444215}" type="datetimeFigureOut">
               <a:rPr lang="en-US" smtClean="0"/>
-              <a:t>5/6/2016</a:t>
+              <a:t>5/8/2016</a:t>
             </a:fld>
             <a:endParaRPr lang="en-US"/>
           </a:p>
@@ -4008,8 +4448,8 @@
           </a:fontRef>
         </p:style>
       </p:cxnSp>
-      <mc:AlternateContent xmlns:mc="http://schemas.openxmlformats.org/markup-compatibility/2006">
-        <mc:Choice xmlns:a14="http://schemas.microsoft.com/office/drawing/2010/main" Requires="a14">
+      <mc:AlternateContent xmlns:mc="http://schemas.openxmlformats.org/markup-compatibility/2006" xmlns:a14="http://schemas.microsoft.com/office/drawing/2010/main">
+        <mc:Choice Requires="a14">
           <p:sp>
             <p:nvSpPr>
               <p:cNvPr id="61" name="Rectangle 60"/>
@@ -4083,7 +4523,7 @@
             </p:txBody>
           </p:sp>
         </mc:Choice>
-        <mc:Fallback>
+        <mc:Fallback xmlns="">
           <p:sp>
             <p:nvSpPr>
               <p:cNvPr id="61" name="Rectangle 60"/>
@@ -4122,8 +4562,8 @@
           </p:sp>
         </mc:Fallback>
       </mc:AlternateContent>
-      <mc:AlternateContent xmlns:mc="http://schemas.openxmlformats.org/markup-compatibility/2006">
-        <mc:Choice xmlns:a14="http://schemas.microsoft.com/office/drawing/2010/main" Requires="a14">
+      <mc:AlternateContent xmlns:mc="http://schemas.openxmlformats.org/markup-compatibility/2006" xmlns:a14="http://schemas.microsoft.com/office/drawing/2010/main">
+        <mc:Choice Requires="a14">
           <p:sp>
             <p:nvSpPr>
               <p:cNvPr id="63" name="Rectangle 62"/>
@@ -4197,7 +4637,7 @@
             </p:txBody>
           </p:sp>
         </mc:Choice>
-        <mc:Fallback>
+        <mc:Fallback xmlns="">
           <p:sp>
             <p:nvSpPr>
               <p:cNvPr id="63" name="Rectangle 62"/>
@@ -4236,8 +4676,8 @@
           </p:sp>
         </mc:Fallback>
       </mc:AlternateContent>
-      <mc:AlternateContent xmlns:mc="http://schemas.openxmlformats.org/markup-compatibility/2006">
-        <mc:Choice xmlns:a14="http://schemas.microsoft.com/office/drawing/2010/main" Requires="a14">
+      <mc:AlternateContent xmlns:mc="http://schemas.openxmlformats.org/markup-compatibility/2006" xmlns:a14="http://schemas.microsoft.com/office/drawing/2010/main">
+        <mc:Choice Requires="a14">
           <p:sp>
             <p:nvSpPr>
               <p:cNvPr id="64" name="Rectangle 63"/>
@@ -4311,7 +4751,7 @@
             </p:txBody>
           </p:sp>
         </mc:Choice>
-        <mc:Fallback>
+        <mc:Fallback xmlns="">
           <p:sp>
             <p:nvSpPr>
               <p:cNvPr id="64" name="Rectangle 63"/>
@@ -4350,8 +4790,8 @@
           </p:sp>
         </mc:Fallback>
       </mc:AlternateContent>
-      <mc:AlternateContent xmlns:mc="http://schemas.openxmlformats.org/markup-compatibility/2006">
-        <mc:Choice xmlns:a14="http://schemas.microsoft.com/office/drawing/2010/main" Requires="a14">
+      <mc:AlternateContent xmlns:mc="http://schemas.openxmlformats.org/markup-compatibility/2006" xmlns:a14="http://schemas.microsoft.com/office/drawing/2010/main">
+        <mc:Choice Requires="a14">
           <p:sp>
             <p:nvSpPr>
               <p:cNvPr id="65" name="Rectangle 64"/>
@@ -4425,7 +4865,7 @@
             </p:txBody>
           </p:sp>
         </mc:Choice>
-        <mc:Fallback>
+        <mc:Fallback xmlns="">
           <p:sp>
             <p:nvSpPr>
               <p:cNvPr id="65" name="Rectangle 64"/>
@@ -4464,8 +4904,8 @@
           </p:sp>
         </mc:Fallback>
       </mc:AlternateContent>
-      <mc:AlternateContent xmlns:mc="http://schemas.openxmlformats.org/markup-compatibility/2006">
-        <mc:Choice xmlns:a14="http://schemas.microsoft.com/office/drawing/2010/main" Requires="a14">
+      <mc:AlternateContent xmlns:mc="http://schemas.openxmlformats.org/markup-compatibility/2006" xmlns:a14="http://schemas.microsoft.com/office/drawing/2010/main">
+        <mc:Choice Requires="a14">
           <p:sp>
             <p:nvSpPr>
               <p:cNvPr id="57" name="Rectangle 56"/>
@@ -4539,7 +4979,7 @@
             </p:txBody>
           </p:sp>
         </mc:Choice>
-        <mc:Fallback>
+        <mc:Fallback xmlns="">
           <p:sp>
             <p:nvSpPr>
               <p:cNvPr id="57" name="Rectangle 56"/>
@@ -4578,8 +5018,8 @@
           </p:sp>
         </mc:Fallback>
       </mc:AlternateContent>
-      <mc:AlternateContent xmlns:mc="http://schemas.openxmlformats.org/markup-compatibility/2006">
-        <mc:Choice xmlns:a14="http://schemas.microsoft.com/office/drawing/2010/main" Requires="a14">
+      <mc:AlternateContent xmlns:mc="http://schemas.openxmlformats.org/markup-compatibility/2006" xmlns:a14="http://schemas.microsoft.com/office/drawing/2010/main">
+        <mc:Choice Requires="a14">
           <p:sp>
             <p:nvSpPr>
               <p:cNvPr id="60" name="Rectangle 59"/>
@@ -4653,7 +5093,7 @@
             </p:txBody>
           </p:sp>
         </mc:Choice>
-        <mc:Fallback>
+        <mc:Fallback xmlns="">
           <p:sp>
             <p:nvSpPr>
               <p:cNvPr id="60" name="Rectangle 59"/>
@@ -4692,8 +5132,8 @@
           </p:sp>
         </mc:Fallback>
       </mc:AlternateContent>
-      <mc:AlternateContent xmlns:mc="http://schemas.openxmlformats.org/markup-compatibility/2006">
-        <mc:Choice xmlns:a14="http://schemas.microsoft.com/office/drawing/2010/main" Requires="a14">
+      <mc:AlternateContent xmlns:mc="http://schemas.openxmlformats.org/markup-compatibility/2006" xmlns:a14="http://schemas.microsoft.com/office/drawing/2010/main">
+        <mc:Choice Requires="a14">
           <p:sp>
             <p:nvSpPr>
               <p:cNvPr id="66" name="Rectangle 65"/>
@@ -4767,7 +5207,7 @@
             </p:txBody>
           </p:sp>
         </mc:Choice>
-        <mc:Fallback>
+        <mc:Fallback xmlns="">
           <p:sp>
             <p:nvSpPr>
               <p:cNvPr id="66" name="Rectangle 65"/>
@@ -5762,6 +6202,4536 @@
     <p:extLst>
       <p:ext uri="{BB962C8B-B14F-4D97-AF65-F5344CB8AC3E}">
         <p14:creationId xmlns:p14="http://schemas.microsoft.com/office/powerpoint/2010/main" val="3990058827"/>
+      </p:ext>
+    </p:extLst>
+  </p:cSld>
+  <p:clrMapOvr>
+    <a:masterClrMapping/>
+  </p:clrMapOvr>
+</p:sld>
+</file>
+
+<file path=ppt/slides/slide3.xml><?xml version="1.0" encoding="utf-8"?>
+<p:sld xmlns:a="http://schemas.openxmlformats.org/drawingml/2006/main" xmlns:r="http://schemas.openxmlformats.org/officeDocument/2006/relationships" xmlns:p="http://schemas.openxmlformats.org/presentationml/2006/main">
+  <p:cSld>
+    <p:spTree>
+      <p:nvGrpSpPr>
+        <p:cNvPr id="1" name=""/>
+        <p:cNvGrpSpPr/>
+        <p:nvPr/>
+      </p:nvGrpSpPr>
+      <p:grpSpPr>
+        <a:xfrm>
+          <a:off x="0" y="0"/>
+          <a:ext cx="0" cy="0"/>
+          <a:chOff x="0" y="0"/>
+          <a:chExt cx="0" cy="0"/>
+        </a:xfrm>
+      </p:grpSpPr>
+      <p:sp>
+        <p:nvSpPr>
+          <p:cNvPr id="4" name="Rectangle 3"/>
+          <p:cNvSpPr/>
+          <p:nvPr/>
+        </p:nvSpPr>
+        <p:spPr>
+          <a:xfrm>
+            <a:off x="1143000" y="2286000"/>
+            <a:ext cx="762000" cy="609600"/>
+          </a:xfrm>
+          <a:prstGeom prst="rect">
+            <a:avLst/>
+          </a:prstGeom>
+        </p:spPr>
+        <p:style>
+          <a:lnRef idx="3">
+            <a:schemeClr val="lt1"/>
+          </a:lnRef>
+          <a:fillRef idx="1">
+            <a:schemeClr val="accent3"/>
+          </a:fillRef>
+          <a:effectRef idx="1">
+            <a:schemeClr val="accent3"/>
+          </a:effectRef>
+          <a:fontRef idx="minor">
+            <a:schemeClr val="lt1"/>
+          </a:fontRef>
+        </p:style>
+        <p:txBody>
+          <a:bodyPr rtlCol="0" anchor="ctr"/>
+          <a:lstStyle/>
+          <a:p>
+            <a:pPr algn="ctr"/>
+            <a:r>
+              <a:rPr lang="en-US" dirty="0" smtClean="0"/>
+              <a:t>0</a:t>
+            </a:r>
+            <a:endParaRPr lang="en-US" dirty="0"/>
+          </a:p>
+        </p:txBody>
+      </p:sp>
+      <p:sp>
+        <p:nvSpPr>
+          <p:cNvPr id="5" name="Rectangle 4"/>
+          <p:cNvSpPr/>
+          <p:nvPr/>
+        </p:nvSpPr>
+        <p:spPr>
+          <a:xfrm>
+            <a:off x="1905000" y="2286000"/>
+            <a:ext cx="762000" cy="609600"/>
+          </a:xfrm>
+          <a:prstGeom prst="rect">
+            <a:avLst/>
+          </a:prstGeom>
+        </p:spPr>
+        <p:style>
+          <a:lnRef idx="3">
+            <a:schemeClr val="lt1"/>
+          </a:lnRef>
+          <a:fillRef idx="1">
+            <a:schemeClr val="accent3"/>
+          </a:fillRef>
+          <a:effectRef idx="1">
+            <a:schemeClr val="accent3"/>
+          </a:effectRef>
+          <a:fontRef idx="minor">
+            <a:schemeClr val="lt1"/>
+          </a:fontRef>
+        </p:style>
+        <p:txBody>
+          <a:bodyPr rtlCol="0" anchor="ctr"/>
+          <a:lstStyle/>
+          <a:p>
+            <a:pPr algn="ctr"/>
+            <a:r>
+              <a:rPr lang="en-US" dirty="0" smtClean="0"/>
+              <a:t>1</a:t>
+            </a:r>
+            <a:endParaRPr lang="en-US" dirty="0"/>
+          </a:p>
+        </p:txBody>
+      </p:sp>
+      <p:sp>
+        <p:nvSpPr>
+          <p:cNvPr id="6" name="Rectangle 5"/>
+          <p:cNvSpPr/>
+          <p:nvPr/>
+        </p:nvSpPr>
+        <p:spPr>
+          <a:xfrm>
+            <a:off x="2667000" y="2286000"/>
+            <a:ext cx="762000" cy="609600"/>
+          </a:xfrm>
+          <a:prstGeom prst="rect">
+            <a:avLst/>
+          </a:prstGeom>
+        </p:spPr>
+        <p:style>
+          <a:lnRef idx="3">
+            <a:schemeClr val="lt1"/>
+          </a:lnRef>
+          <a:fillRef idx="1">
+            <a:schemeClr val="accent3"/>
+          </a:fillRef>
+          <a:effectRef idx="1">
+            <a:schemeClr val="accent3"/>
+          </a:effectRef>
+          <a:fontRef idx="minor">
+            <a:schemeClr val="lt1"/>
+          </a:fontRef>
+        </p:style>
+        <p:txBody>
+          <a:bodyPr rtlCol="0" anchor="ctr"/>
+          <a:lstStyle/>
+          <a:p>
+            <a:pPr algn="ctr"/>
+            <a:r>
+              <a:rPr lang="en-US" dirty="0" smtClean="0"/>
+              <a:t>2</a:t>
+            </a:r>
+            <a:endParaRPr lang="en-US" dirty="0"/>
+          </a:p>
+        </p:txBody>
+      </p:sp>
+      <p:sp>
+        <p:nvSpPr>
+          <p:cNvPr id="7" name="Rectangle 6"/>
+          <p:cNvSpPr/>
+          <p:nvPr/>
+        </p:nvSpPr>
+        <p:spPr>
+          <a:xfrm>
+            <a:off x="3429000" y="2286000"/>
+            <a:ext cx="762000" cy="609600"/>
+          </a:xfrm>
+          <a:prstGeom prst="rect">
+            <a:avLst/>
+          </a:prstGeom>
+        </p:spPr>
+        <p:style>
+          <a:lnRef idx="3">
+            <a:schemeClr val="lt1"/>
+          </a:lnRef>
+          <a:fillRef idx="1">
+            <a:schemeClr val="accent3"/>
+          </a:fillRef>
+          <a:effectRef idx="1">
+            <a:schemeClr val="accent3"/>
+          </a:effectRef>
+          <a:fontRef idx="minor">
+            <a:schemeClr val="lt1"/>
+          </a:fontRef>
+        </p:style>
+        <p:txBody>
+          <a:bodyPr rtlCol="0" anchor="ctr"/>
+          <a:lstStyle/>
+          <a:p>
+            <a:pPr algn="ctr"/>
+            <a:r>
+              <a:rPr lang="en-US" dirty="0" smtClean="0"/>
+              <a:t>3</a:t>
+            </a:r>
+            <a:endParaRPr lang="en-US" dirty="0"/>
+          </a:p>
+        </p:txBody>
+      </p:sp>
+      <p:sp>
+        <p:nvSpPr>
+          <p:cNvPr id="8" name="Rectangle 7"/>
+          <p:cNvSpPr/>
+          <p:nvPr/>
+        </p:nvSpPr>
+        <p:spPr>
+          <a:xfrm>
+            <a:off x="1143000" y="2895600"/>
+            <a:ext cx="762000" cy="609600"/>
+          </a:xfrm>
+          <a:prstGeom prst="rect">
+            <a:avLst/>
+          </a:prstGeom>
+        </p:spPr>
+        <p:style>
+          <a:lnRef idx="3">
+            <a:schemeClr val="lt1"/>
+          </a:lnRef>
+          <a:fillRef idx="1">
+            <a:schemeClr val="accent3"/>
+          </a:fillRef>
+          <a:effectRef idx="1">
+            <a:schemeClr val="accent3"/>
+          </a:effectRef>
+          <a:fontRef idx="minor">
+            <a:schemeClr val="lt1"/>
+          </a:fontRef>
+        </p:style>
+        <p:txBody>
+          <a:bodyPr rtlCol="0" anchor="ctr"/>
+          <a:lstStyle/>
+          <a:p>
+            <a:pPr algn="ctr"/>
+            <a:r>
+              <a:rPr lang="en-US" dirty="0" smtClean="0"/>
+              <a:t>4</a:t>
+            </a:r>
+            <a:endParaRPr lang="en-US" dirty="0"/>
+          </a:p>
+        </p:txBody>
+      </p:sp>
+      <p:sp>
+        <p:nvSpPr>
+          <p:cNvPr id="9" name="Rectangle 8"/>
+          <p:cNvSpPr/>
+          <p:nvPr/>
+        </p:nvSpPr>
+        <p:spPr>
+          <a:xfrm>
+            <a:off x="1905000" y="2895600"/>
+            <a:ext cx="762000" cy="609600"/>
+          </a:xfrm>
+          <a:prstGeom prst="rect">
+            <a:avLst/>
+          </a:prstGeom>
+        </p:spPr>
+        <p:style>
+          <a:lnRef idx="3">
+            <a:schemeClr val="lt1"/>
+          </a:lnRef>
+          <a:fillRef idx="1">
+            <a:schemeClr val="accent3"/>
+          </a:fillRef>
+          <a:effectRef idx="1">
+            <a:schemeClr val="accent3"/>
+          </a:effectRef>
+          <a:fontRef idx="minor">
+            <a:schemeClr val="lt1"/>
+          </a:fontRef>
+        </p:style>
+        <p:txBody>
+          <a:bodyPr rtlCol="0" anchor="ctr"/>
+          <a:lstStyle/>
+          <a:p>
+            <a:pPr algn="ctr"/>
+            <a:r>
+              <a:rPr lang="en-US" dirty="0" smtClean="0"/>
+              <a:t>5</a:t>
+            </a:r>
+            <a:endParaRPr lang="en-US" dirty="0"/>
+          </a:p>
+        </p:txBody>
+      </p:sp>
+      <p:sp>
+        <p:nvSpPr>
+          <p:cNvPr id="10" name="Rectangle 9"/>
+          <p:cNvSpPr/>
+          <p:nvPr/>
+        </p:nvSpPr>
+        <p:spPr>
+          <a:xfrm>
+            <a:off x="2667000" y="2895600"/>
+            <a:ext cx="762000" cy="609600"/>
+          </a:xfrm>
+          <a:prstGeom prst="rect">
+            <a:avLst/>
+          </a:prstGeom>
+        </p:spPr>
+        <p:style>
+          <a:lnRef idx="3">
+            <a:schemeClr val="lt1"/>
+          </a:lnRef>
+          <a:fillRef idx="1">
+            <a:schemeClr val="accent3"/>
+          </a:fillRef>
+          <a:effectRef idx="1">
+            <a:schemeClr val="accent3"/>
+          </a:effectRef>
+          <a:fontRef idx="minor">
+            <a:schemeClr val="lt1"/>
+          </a:fontRef>
+        </p:style>
+        <p:txBody>
+          <a:bodyPr rtlCol="0" anchor="ctr"/>
+          <a:lstStyle/>
+          <a:p>
+            <a:pPr algn="ctr"/>
+            <a:r>
+              <a:rPr lang="en-US" dirty="0" smtClean="0"/>
+              <a:t>6</a:t>
+            </a:r>
+            <a:endParaRPr lang="en-US" dirty="0"/>
+          </a:p>
+        </p:txBody>
+      </p:sp>
+      <p:sp>
+        <p:nvSpPr>
+          <p:cNvPr id="11" name="Rectangle 10"/>
+          <p:cNvSpPr/>
+          <p:nvPr/>
+        </p:nvSpPr>
+        <p:spPr>
+          <a:xfrm>
+            <a:off x="3429000" y="2895600"/>
+            <a:ext cx="762000" cy="609600"/>
+          </a:xfrm>
+          <a:prstGeom prst="rect">
+            <a:avLst/>
+          </a:prstGeom>
+        </p:spPr>
+        <p:style>
+          <a:lnRef idx="3">
+            <a:schemeClr val="lt1"/>
+          </a:lnRef>
+          <a:fillRef idx="1">
+            <a:schemeClr val="accent3"/>
+          </a:fillRef>
+          <a:effectRef idx="1">
+            <a:schemeClr val="accent3"/>
+          </a:effectRef>
+          <a:fontRef idx="minor">
+            <a:schemeClr val="lt1"/>
+          </a:fontRef>
+        </p:style>
+        <p:txBody>
+          <a:bodyPr rtlCol="0" anchor="ctr"/>
+          <a:lstStyle/>
+          <a:p>
+            <a:pPr algn="ctr"/>
+            <a:r>
+              <a:rPr lang="en-US" dirty="0" smtClean="0"/>
+              <a:t>7</a:t>
+            </a:r>
+            <a:endParaRPr lang="en-US" dirty="0"/>
+          </a:p>
+        </p:txBody>
+      </p:sp>
+      <p:sp>
+        <p:nvSpPr>
+          <p:cNvPr id="12" name="Rectangle 11"/>
+          <p:cNvSpPr/>
+          <p:nvPr/>
+        </p:nvSpPr>
+        <p:spPr>
+          <a:xfrm>
+            <a:off x="1143000" y="3505200"/>
+            <a:ext cx="762000" cy="609600"/>
+          </a:xfrm>
+          <a:prstGeom prst="rect">
+            <a:avLst/>
+          </a:prstGeom>
+        </p:spPr>
+        <p:style>
+          <a:lnRef idx="3">
+            <a:schemeClr val="lt1"/>
+          </a:lnRef>
+          <a:fillRef idx="1">
+            <a:schemeClr val="accent3"/>
+          </a:fillRef>
+          <a:effectRef idx="1">
+            <a:schemeClr val="accent3"/>
+          </a:effectRef>
+          <a:fontRef idx="minor">
+            <a:schemeClr val="lt1"/>
+          </a:fontRef>
+        </p:style>
+        <p:txBody>
+          <a:bodyPr rtlCol="0" anchor="ctr"/>
+          <a:lstStyle/>
+          <a:p>
+            <a:pPr algn="ctr"/>
+            <a:r>
+              <a:rPr lang="en-US" dirty="0" smtClean="0"/>
+              <a:t>8</a:t>
+            </a:r>
+            <a:endParaRPr lang="en-US" dirty="0"/>
+          </a:p>
+        </p:txBody>
+      </p:sp>
+      <p:sp>
+        <p:nvSpPr>
+          <p:cNvPr id="13" name="Rectangle 12"/>
+          <p:cNvSpPr/>
+          <p:nvPr/>
+        </p:nvSpPr>
+        <p:spPr>
+          <a:xfrm>
+            <a:off x="1905000" y="3505200"/>
+            <a:ext cx="762000" cy="609600"/>
+          </a:xfrm>
+          <a:prstGeom prst="rect">
+            <a:avLst/>
+          </a:prstGeom>
+        </p:spPr>
+        <p:style>
+          <a:lnRef idx="3">
+            <a:schemeClr val="lt1"/>
+          </a:lnRef>
+          <a:fillRef idx="1">
+            <a:schemeClr val="accent3"/>
+          </a:fillRef>
+          <a:effectRef idx="1">
+            <a:schemeClr val="accent3"/>
+          </a:effectRef>
+          <a:fontRef idx="minor">
+            <a:schemeClr val="lt1"/>
+          </a:fontRef>
+        </p:style>
+        <p:txBody>
+          <a:bodyPr rtlCol="0" anchor="ctr"/>
+          <a:lstStyle/>
+          <a:p>
+            <a:pPr algn="ctr"/>
+            <a:r>
+              <a:rPr lang="en-US" dirty="0" smtClean="0"/>
+              <a:t>9</a:t>
+            </a:r>
+            <a:endParaRPr lang="en-US" dirty="0"/>
+          </a:p>
+        </p:txBody>
+      </p:sp>
+      <p:sp>
+        <p:nvSpPr>
+          <p:cNvPr id="14" name="Rectangle 13"/>
+          <p:cNvSpPr/>
+          <p:nvPr/>
+        </p:nvSpPr>
+        <p:spPr>
+          <a:xfrm>
+            <a:off x="2667000" y="3505200"/>
+            <a:ext cx="762000" cy="609600"/>
+          </a:xfrm>
+          <a:prstGeom prst="rect">
+            <a:avLst/>
+          </a:prstGeom>
+        </p:spPr>
+        <p:style>
+          <a:lnRef idx="3">
+            <a:schemeClr val="lt1"/>
+          </a:lnRef>
+          <a:fillRef idx="1">
+            <a:schemeClr val="accent3"/>
+          </a:fillRef>
+          <a:effectRef idx="1">
+            <a:schemeClr val="accent3"/>
+          </a:effectRef>
+          <a:fontRef idx="minor">
+            <a:schemeClr val="lt1"/>
+          </a:fontRef>
+        </p:style>
+        <p:txBody>
+          <a:bodyPr rtlCol="0" anchor="ctr"/>
+          <a:lstStyle/>
+          <a:p>
+            <a:pPr algn="ctr"/>
+            <a:r>
+              <a:rPr lang="en-US" dirty="0" smtClean="0"/>
+              <a:t>10</a:t>
+            </a:r>
+            <a:endParaRPr lang="en-US" dirty="0"/>
+          </a:p>
+        </p:txBody>
+      </p:sp>
+      <p:sp>
+        <p:nvSpPr>
+          <p:cNvPr id="15" name="Rectangle 14"/>
+          <p:cNvSpPr/>
+          <p:nvPr/>
+        </p:nvSpPr>
+        <p:spPr>
+          <a:xfrm>
+            <a:off x="3429000" y="3505200"/>
+            <a:ext cx="762000" cy="609600"/>
+          </a:xfrm>
+          <a:prstGeom prst="rect">
+            <a:avLst/>
+          </a:prstGeom>
+        </p:spPr>
+        <p:style>
+          <a:lnRef idx="3">
+            <a:schemeClr val="lt1"/>
+          </a:lnRef>
+          <a:fillRef idx="1">
+            <a:schemeClr val="accent3"/>
+          </a:fillRef>
+          <a:effectRef idx="1">
+            <a:schemeClr val="accent3"/>
+          </a:effectRef>
+          <a:fontRef idx="minor">
+            <a:schemeClr val="lt1"/>
+          </a:fontRef>
+        </p:style>
+        <p:txBody>
+          <a:bodyPr rtlCol="0" anchor="ctr"/>
+          <a:lstStyle/>
+          <a:p>
+            <a:pPr algn="ctr"/>
+            <a:r>
+              <a:rPr lang="en-US" dirty="0" smtClean="0"/>
+              <a:t>11</a:t>
+            </a:r>
+            <a:endParaRPr lang="en-US" dirty="0"/>
+          </a:p>
+        </p:txBody>
+      </p:sp>
+      <p:sp>
+        <p:nvSpPr>
+          <p:cNvPr id="16" name="Rectangle 15"/>
+          <p:cNvSpPr/>
+          <p:nvPr/>
+        </p:nvSpPr>
+        <p:spPr>
+          <a:xfrm>
+            <a:off x="1143000" y="4114800"/>
+            <a:ext cx="762000" cy="609600"/>
+          </a:xfrm>
+          <a:prstGeom prst="rect">
+            <a:avLst/>
+          </a:prstGeom>
+        </p:spPr>
+        <p:style>
+          <a:lnRef idx="3">
+            <a:schemeClr val="lt1"/>
+          </a:lnRef>
+          <a:fillRef idx="1">
+            <a:schemeClr val="accent3"/>
+          </a:fillRef>
+          <a:effectRef idx="1">
+            <a:schemeClr val="accent3"/>
+          </a:effectRef>
+          <a:fontRef idx="minor">
+            <a:schemeClr val="lt1"/>
+          </a:fontRef>
+        </p:style>
+        <p:txBody>
+          <a:bodyPr rtlCol="0" anchor="ctr"/>
+          <a:lstStyle/>
+          <a:p>
+            <a:pPr algn="ctr"/>
+            <a:r>
+              <a:rPr lang="en-US" dirty="0" smtClean="0"/>
+              <a:t>12</a:t>
+            </a:r>
+            <a:endParaRPr lang="en-US" dirty="0"/>
+          </a:p>
+        </p:txBody>
+      </p:sp>
+      <p:sp>
+        <p:nvSpPr>
+          <p:cNvPr id="17" name="Rectangle 16"/>
+          <p:cNvSpPr/>
+          <p:nvPr/>
+        </p:nvSpPr>
+        <p:spPr>
+          <a:xfrm>
+            <a:off x="1905000" y="4114800"/>
+            <a:ext cx="762000" cy="609600"/>
+          </a:xfrm>
+          <a:prstGeom prst="rect">
+            <a:avLst/>
+          </a:prstGeom>
+        </p:spPr>
+        <p:style>
+          <a:lnRef idx="3">
+            <a:schemeClr val="lt1"/>
+          </a:lnRef>
+          <a:fillRef idx="1">
+            <a:schemeClr val="accent3"/>
+          </a:fillRef>
+          <a:effectRef idx="1">
+            <a:schemeClr val="accent3"/>
+          </a:effectRef>
+          <a:fontRef idx="minor">
+            <a:schemeClr val="lt1"/>
+          </a:fontRef>
+        </p:style>
+        <p:txBody>
+          <a:bodyPr rtlCol="0" anchor="ctr"/>
+          <a:lstStyle/>
+          <a:p>
+            <a:pPr algn="ctr"/>
+            <a:r>
+              <a:rPr lang="en-US" dirty="0" smtClean="0"/>
+              <a:t>13</a:t>
+            </a:r>
+            <a:endParaRPr lang="en-US" dirty="0"/>
+          </a:p>
+        </p:txBody>
+      </p:sp>
+      <p:sp>
+        <p:nvSpPr>
+          <p:cNvPr id="18" name="Rectangle 17"/>
+          <p:cNvSpPr/>
+          <p:nvPr/>
+        </p:nvSpPr>
+        <p:spPr>
+          <a:xfrm>
+            <a:off x="2667000" y="4114800"/>
+            <a:ext cx="762000" cy="609600"/>
+          </a:xfrm>
+          <a:prstGeom prst="rect">
+            <a:avLst/>
+          </a:prstGeom>
+        </p:spPr>
+        <p:style>
+          <a:lnRef idx="3">
+            <a:schemeClr val="lt1"/>
+          </a:lnRef>
+          <a:fillRef idx="1">
+            <a:schemeClr val="accent3"/>
+          </a:fillRef>
+          <a:effectRef idx="1">
+            <a:schemeClr val="accent3"/>
+          </a:effectRef>
+          <a:fontRef idx="minor">
+            <a:schemeClr val="lt1"/>
+          </a:fontRef>
+        </p:style>
+        <p:txBody>
+          <a:bodyPr rtlCol="0" anchor="ctr"/>
+          <a:lstStyle/>
+          <a:p>
+            <a:pPr algn="ctr"/>
+            <a:r>
+              <a:rPr lang="en-US" dirty="0" smtClean="0"/>
+              <a:t>14</a:t>
+            </a:r>
+            <a:endParaRPr lang="en-US" dirty="0"/>
+          </a:p>
+        </p:txBody>
+      </p:sp>
+      <p:sp>
+        <p:nvSpPr>
+          <p:cNvPr id="19" name="Rectangle 18"/>
+          <p:cNvSpPr/>
+          <p:nvPr/>
+        </p:nvSpPr>
+        <p:spPr>
+          <a:xfrm>
+            <a:off x="3429000" y="4114800"/>
+            <a:ext cx="762000" cy="609600"/>
+          </a:xfrm>
+          <a:prstGeom prst="rect">
+            <a:avLst/>
+          </a:prstGeom>
+        </p:spPr>
+        <p:style>
+          <a:lnRef idx="3">
+            <a:schemeClr val="lt1"/>
+          </a:lnRef>
+          <a:fillRef idx="1">
+            <a:schemeClr val="accent3"/>
+          </a:fillRef>
+          <a:effectRef idx="1">
+            <a:schemeClr val="accent3"/>
+          </a:effectRef>
+          <a:fontRef idx="minor">
+            <a:schemeClr val="lt1"/>
+          </a:fontRef>
+        </p:style>
+        <p:txBody>
+          <a:bodyPr rtlCol="0" anchor="ctr"/>
+          <a:lstStyle/>
+          <a:p>
+            <a:pPr algn="ctr"/>
+            <a:r>
+              <a:rPr lang="en-US" dirty="0" smtClean="0"/>
+              <a:t>15</a:t>
+            </a:r>
+            <a:endParaRPr lang="en-US" dirty="0"/>
+          </a:p>
+        </p:txBody>
+      </p:sp>
+      <p:sp>
+        <p:nvSpPr>
+          <p:cNvPr id="20" name="Right Arrow 19"/>
+          <p:cNvSpPr/>
+          <p:nvPr/>
+        </p:nvSpPr>
+        <p:spPr>
+          <a:xfrm>
+            <a:off x="1143000" y="1828800"/>
+            <a:ext cx="3200400" cy="381000"/>
+          </a:xfrm>
+          <a:prstGeom prst="rightArrow">
+            <a:avLst/>
+          </a:prstGeom>
+        </p:spPr>
+        <p:style>
+          <a:lnRef idx="2">
+            <a:schemeClr val="accent1">
+              <a:shade val="50000"/>
+            </a:schemeClr>
+          </a:lnRef>
+          <a:fillRef idx="1">
+            <a:schemeClr val="accent1"/>
+          </a:fillRef>
+          <a:effectRef idx="0">
+            <a:schemeClr val="accent1"/>
+          </a:effectRef>
+          <a:fontRef idx="minor">
+            <a:schemeClr val="lt1"/>
+          </a:fontRef>
+        </p:style>
+        <p:txBody>
+          <a:bodyPr rtlCol="0" anchor="ctr"/>
+          <a:lstStyle/>
+          <a:p>
+            <a:pPr algn="ctr"/>
+            <a:r>
+              <a:rPr lang="en-US" dirty="0" err="1" smtClean="0"/>
+              <a:t>threadIdx.x</a:t>
+            </a:r>
+            <a:r>
+              <a:rPr lang="en-US" dirty="0" smtClean="0"/>
+              <a:t> </a:t>
+            </a:r>
+            <a:endParaRPr lang="en-US" dirty="0"/>
+          </a:p>
+        </p:txBody>
+      </p:sp>
+      <p:sp>
+        <p:nvSpPr>
+          <p:cNvPr id="21" name="Right Arrow 20"/>
+          <p:cNvSpPr/>
+          <p:nvPr/>
+        </p:nvSpPr>
+        <p:spPr>
+          <a:xfrm rot="5400000">
+            <a:off x="-666750" y="3314700"/>
+            <a:ext cx="2933700" cy="381000"/>
+          </a:xfrm>
+          <a:prstGeom prst="rightArrow">
+            <a:avLst/>
+          </a:prstGeom>
+        </p:spPr>
+        <p:style>
+          <a:lnRef idx="2">
+            <a:schemeClr val="accent1">
+              <a:shade val="50000"/>
+            </a:schemeClr>
+          </a:lnRef>
+          <a:fillRef idx="1">
+            <a:schemeClr val="accent1"/>
+          </a:fillRef>
+          <a:effectRef idx="0">
+            <a:schemeClr val="accent1"/>
+          </a:effectRef>
+          <a:fontRef idx="minor">
+            <a:schemeClr val="lt1"/>
+          </a:fontRef>
+        </p:style>
+        <p:txBody>
+          <a:bodyPr vert="horz" wrap="none" tIns="0" bIns="0" rtlCol="0" anchor="ctr" anchorCtr="0"/>
+          <a:lstStyle/>
+          <a:p>
+            <a:pPr algn="ctr"/>
+            <a:r>
+              <a:rPr lang="en-US" dirty="0" err="1" smtClean="0"/>
+              <a:t>threadIdx.y</a:t>
+            </a:r>
+            <a:r>
+              <a:rPr lang="en-US" dirty="0" smtClean="0"/>
+              <a:t> </a:t>
+            </a:r>
+            <a:endParaRPr lang="en-US" dirty="0"/>
+          </a:p>
+        </p:txBody>
+      </p:sp>
+      <p:sp>
+        <p:nvSpPr>
+          <p:cNvPr id="22" name="Rectangle 21"/>
+          <p:cNvSpPr/>
+          <p:nvPr/>
+        </p:nvSpPr>
+        <p:spPr>
+          <a:xfrm>
+            <a:off x="5452872" y="2286000"/>
+            <a:ext cx="762000" cy="609600"/>
+          </a:xfrm>
+          <a:prstGeom prst="rect">
+            <a:avLst/>
+          </a:prstGeom>
+        </p:spPr>
+        <p:style>
+          <a:lnRef idx="3">
+            <a:schemeClr val="lt1"/>
+          </a:lnRef>
+          <a:fillRef idx="1">
+            <a:schemeClr val="accent3"/>
+          </a:fillRef>
+          <a:effectRef idx="1">
+            <a:schemeClr val="accent3"/>
+          </a:effectRef>
+          <a:fontRef idx="minor">
+            <a:schemeClr val="lt1"/>
+          </a:fontRef>
+        </p:style>
+        <p:txBody>
+          <a:bodyPr rtlCol="0" anchor="ctr"/>
+          <a:lstStyle/>
+          <a:p>
+            <a:pPr algn="ctr"/>
+            <a:r>
+              <a:rPr lang="en-US" dirty="0" smtClean="0"/>
+              <a:t>0</a:t>
+            </a:r>
+            <a:endParaRPr lang="en-US" dirty="0"/>
+          </a:p>
+        </p:txBody>
+      </p:sp>
+      <p:sp>
+        <p:nvSpPr>
+          <p:cNvPr id="23" name="Rectangle 22"/>
+          <p:cNvSpPr/>
+          <p:nvPr/>
+        </p:nvSpPr>
+        <p:spPr>
+          <a:xfrm>
+            <a:off x="6214872" y="2286000"/>
+            <a:ext cx="762000" cy="609600"/>
+          </a:xfrm>
+          <a:prstGeom prst="rect">
+            <a:avLst/>
+          </a:prstGeom>
+        </p:spPr>
+        <p:style>
+          <a:lnRef idx="3">
+            <a:schemeClr val="lt1"/>
+          </a:lnRef>
+          <a:fillRef idx="1">
+            <a:schemeClr val="accent3"/>
+          </a:fillRef>
+          <a:effectRef idx="1">
+            <a:schemeClr val="accent3"/>
+          </a:effectRef>
+          <a:fontRef idx="minor">
+            <a:schemeClr val="lt1"/>
+          </a:fontRef>
+        </p:style>
+        <p:txBody>
+          <a:bodyPr rtlCol="0" anchor="ctr"/>
+          <a:lstStyle/>
+          <a:p>
+            <a:pPr algn="ctr"/>
+            <a:r>
+              <a:rPr lang="en-US" dirty="0" smtClean="0"/>
+              <a:t>4</a:t>
+            </a:r>
+            <a:endParaRPr lang="en-US" dirty="0"/>
+          </a:p>
+        </p:txBody>
+      </p:sp>
+      <p:sp>
+        <p:nvSpPr>
+          <p:cNvPr id="24" name="Rectangle 23"/>
+          <p:cNvSpPr/>
+          <p:nvPr/>
+        </p:nvSpPr>
+        <p:spPr>
+          <a:xfrm>
+            <a:off x="6976872" y="2286000"/>
+            <a:ext cx="762000" cy="609600"/>
+          </a:xfrm>
+          <a:prstGeom prst="rect">
+            <a:avLst/>
+          </a:prstGeom>
+        </p:spPr>
+        <p:style>
+          <a:lnRef idx="3">
+            <a:schemeClr val="lt1"/>
+          </a:lnRef>
+          <a:fillRef idx="1">
+            <a:schemeClr val="accent3"/>
+          </a:fillRef>
+          <a:effectRef idx="1">
+            <a:schemeClr val="accent3"/>
+          </a:effectRef>
+          <a:fontRef idx="minor">
+            <a:schemeClr val="lt1"/>
+          </a:fontRef>
+        </p:style>
+        <p:txBody>
+          <a:bodyPr rtlCol="0" anchor="ctr"/>
+          <a:lstStyle/>
+          <a:p>
+            <a:pPr algn="ctr"/>
+            <a:r>
+              <a:rPr lang="en-US" dirty="0" smtClean="0"/>
+              <a:t>8</a:t>
+            </a:r>
+            <a:endParaRPr lang="en-US" dirty="0"/>
+          </a:p>
+        </p:txBody>
+      </p:sp>
+      <p:sp>
+        <p:nvSpPr>
+          <p:cNvPr id="25" name="Rectangle 24"/>
+          <p:cNvSpPr/>
+          <p:nvPr/>
+        </p:nvSpPr>
+        <p:spPr>
+          <a:xfrm>
+            <a:off x="7738872" y="2286000"/>
+            <a:ext cx="762000" cy="609600"/>
+          </a:xfrm>
+          <a:prstGeom prst="rect">
+            <a:avLst/>
+          </a:prstGeom>
+        </p:spPr>
+        <p:style>
+          <a:lnRef idx="3">
+            <a:schemeClr val="lt1"/>
+          </a:lnRef>
+          <a:fillRef idx="1">
+            <a:schemeClr val="accent3"/>
+          </a:fillRef>
+          <a:effectRef idx="1">
+            <a:schemeClr val="accent3"/>
+          </a:effectRef>
+          <a:fontRef idx="minor">
+            <a:schemeClr val="lt1"/>
+          </a:fontRef>
+        </p:style>
+        <p:txBody>
+          <a:bodyPr rtlCol="0" anchor="ctr"/>
+          <a:lstStyle/>
+          <a:p>
+            <a:pPr algn="ctr"/>
+            <a:r>
+              <a:rPr lang="en-US" dirty="0" smtClean="0"/>
+              <a:t>12</a:t>
+            </a:r>
+            <a:endParaRPr lang="en-US" dirty="0"/>
+          </a:p>
+        </p:txBody>
+      </p:sp>
+      <p:sp>
+        <p:nvSpPr>
+          <p:cNvPr id="26" name="Rectangle 25"/>
+          <p:cNvSpPr/>
+          <p:nvPr/>
+        </p:nvSpPr>
+        <p:spPr>
+          <a:xfrm>
+            <a:off x="5452872" y="2895600"/>
+            <a:ext cx="762000" cy="609600"/>
+          </a:xfrm>
+          <a:prstGeom prst="rect">
+            <a:avLst/>
+          </a:prstGeom>
+        </p:spPr>
+        <p:style>
+          <a:lnRef idx="3">
+            <a:schemeClr val="lt1"/>
+          </a:lnRef>
+          <a:fillRef idx="1">
+            <a:schemeClr val="accent3"/>
+          </a:fillRef>
+          <a:effectRef idx="1">
+            <a:schemeClr val="accent3"/>
+          </a:effectRef>
+          <a:fontRef idx="minor">
+            <a:schemeClr val="lt1"/>
+          </a:fontRef>
+        </p:style>
+        <p:txBody>
+          <a:bodyPr rtlCol="0" anchor="ctr"/>
+          <a:lstStyle/>
+          <a:p>
+            <a:pPr algn="ctr"/>
+            <a:r>
+              <a:rPr lang="en-US" dirty="0" smtClean="0"/>
+              <a:t>1</a:t>
+            </a:r>
+            <a:endParaRPr lang="en-US" dirty="0"/>
+          </a:p>
+        </p:txBody>
+      </p:sp>
+      <p:sp>
+        <p:nvSpPr>
+          <p:cNvPr id="27" name="Rectangle 26"/>
+          <p:cNvSpPr/>
+          <p:nvPr/>
+        </p:nvSpPr>
+        <p:spPr>
+          <a:xfrm>
+            <a:off x="6214872" y="2895600"/>
+            <a:ext cx="762000" cy="609600"/>
+          </a:xfrm>
+          <a:prstGeom prst="rect">
+            <a:avLst/>
+          </a:prstGeom>
+        </p:spPr>
+        <p:style>
+          <a:lnRef idx="3">
+            <a:schemeClr val="lt1"/>
+          </a:lnRef>
+          <a:fillRef idx="1">
+            <a:schemeClr val="accent3"/>
+          </a:fillRef>
+          <a:effectRef idx="1">
+            <a:schemeClr val="accent3"/>
+          </a:effectRef>
+          <a:fontRef idx="minor">
+            <a:schemeClr val="lt1"/>
+          </a:fontRef>
+        </p:style>
+        <p:txBody>
+          <a:bodyPr rtlCol="0" anchor="ctr"/>
+          <a:lstStyle/>
+          <a:p>
+            <a:pPr algn="ctr"/>
+            <a:r>
+              <a:rPr lang="en-US" dirty="0" smtClean="0"/>
+              <a:t>5</a:t>
+            </a:r>
+            <a:endParaRPr lang="en-US" dirty="0"/>
+          </a:p>
+        </p:txBody>
+      </p:sp>
+      <p:sp>
+        <p:nvSpPr>
+          <p:cNvPr id="28" name="Rectangle 27"/>
+          <p:cNvSpPr/>
+          <p:nvPr/>
+        </p:nvSpPr>
+        <p:spPr>
+          <a:xfrm>
+            <a:off x="6976872" y="2895600"/>
+            <a:ext cx="762000" cy="609600"/>
+          </a:xfrm>
+          <a:prstGeom prst="rect">
+            <a:avLst/>
+          </a:prstGeom>
+        </p:spPr>
+        <p:style>
+          <a:lnRef idx="3">
+            <a:schemeClr val="lt1"/>
+          </a:lnRef>
+          <a:fillRef idx="1">
+            <a:schemeClr val="accent3"/>
+          </a:fillRef>
+          <a:effectRef idx="1">
+            <a:schemeClr val="accent3"/>
+          </a:effectRef>
+          <a:fontRef idx="minor">
+            <a:schemeClr val="lt1"/>
+          </a:fontRef>
+        </p:style>
+        <p:txBody>
+          <a:bodyPr rtlCol="0" anchor="ctr"/>
+          <a:lstStyle/>
+          <a:p>
+            <a:pPr algn="ctr"/>
+            <a:r>
+              <a:rPr lang="en-US" dirty="0" smtClean="0"/>
+              <a:t>9</a:t>
+            </a:r>
+            <a:endParaRPr lang="en-US" dirty="0"/>
+          </a:p>
+        </p:txBody>
+      </p:sp>
+      <p:sp>
+        <p:nvSpPr>
+          <p:cNvPr id="29" name="Rectangle 28"/>
+          <p:cNvSpPr/>
+          <p:nvPr/>
+        </p:nvSpPr>
+        <p:spPr>
+          <a:xfrm>
+            <a:off x="7738872" y="2895600"/>
+            <a:ext cx="762000" cy="609600"/>
+          </a:xfrm>
+          <a:prstGeom prst="rect">
+            <a:avLst/>
+          </a:prstGeom>
+        </p:spPr>
+        <p:style>
+          <a:lnRef idx="3">
+            <a:schemeClr val="lt1"/>
+          </a:lnRef>
+          <a:fillRef idx="1">
+            <a:schemeClr val="accent3"/>
+          </a:fillRef>
+          <a:effectRef idx="1">
+            <a:schemeClr val="accent3"/>
+          </a:effectRef>
+          <a:fontRef idx="minor">
+            <a:schemeClr val="lt1"/>
+          </a:fontRef>
+        </p:style>
+        <p:txBody>
+          <a:bodyPr rtlCol="0" anchor="ctr"/>
+          <a:lstStyle/>
+          <a:p>
+            <a:pPr algn="ctr"/>
+            <a:r>
+              <a:rPr lang="en-US" dirty="0" smtClean="0"/>
+              <a:t>13</a:t>
+            </a:r>
+            <a:endParaRPr lang="en-US" dirty="0"/>
+          </a:p>
+        </p:txBody>
+      </p:sp>
+      <p:sp>
+        <p:nvSpPr>
+          <p:cNvPr id="30" name="Rectangle 29"/>
+          <p:cNvSpPr/>
+          <p:nvPr/>
+        </p:nvSpPr>
+        <p:spPr>
+          <a:xfrm>
+            <a:off x="5452872" y="3505200"/>
+            <a:ext cx="762000" cy="609600"/>
+          </a:xfrm>
+          <a:prstGeom prst="rect">
+            <a:avLst/>
+          </a:prstGeom>
+        </p:spPr>
+        <p:style>
+          <a:lnRef idx="3">
+            <a:schemeClr val="lt1"/>
+          </a:lnRef>
+          <a:fillRef idx="1">
+            <a:schemeClr val="accent3"/>
+          </a:fillRef>
+          <a:effectRef idx="1">
+            <a:schemeClr val="accent3"/>
+          </a:effectRef>
+          <a:fontRef idx="minor">
+            <a:schemeClr val="lt1"/>
+          </a:fontRef>
+        </p:style>
+        <p:txBody>
+          <a:bodyPr rtlCol="0" anchor="ctr"/>
+          <a:lstStyle/>
+          <a:p>
+            <a:pPr algn="ctr"/>
+            <a:r>
+              <a:rPr lang="en-US" dirty="0" smtClean="0"/>
+              <a:t>2</a:t>
+            </a:r>
+            <a:endParaRPr lang="en-US" dirty="0"/>
+          </a:p>
+        </p:txBody>
+      </p:sp>
+      <p:sp>
+        <p:nvSpPr>
+          <p:cNvPr id="31" name="Rectangle 30"/>
+          <p:cNvSpPr/>
+          <p:nvPr/>
+        </p:nvSpPr>
+        <p:spPr>
+          <a:xfrm>
+            <a:off x="6214872" y="3505200"/>
+            <a:ext cx="762000" cy="609600"/>
+          </a:xfrm>
+          <a:prstGeom prst="rect">
+            <a:avLst/>
+          </a:prstGeom>
+        </p:spPr>
+        <p:style>
+          <a:lnRef idx="3">
+            <a:schemeClr val="lt1"/>
+          </a:lnRef>
+          <a:fillRef idx="1">
+            <a:schemeClr val="accent3"/>
+          </a:fillRef>
+          <a:effectRef idx="1">
+            <a:schemeClr val="accent3"/>
+          </a:effectRef>
+          <a:fontRef idx="minor">
+            <a:schemeClr val="lt1"/>
+          </a:fontRef>
+        </p:style>
+        <p:txBody>
+          <a:bodyPr rtlCol="0" anchor="ctr"/>
+          <a:lstStyle/>
+          <a:p>
+            <a:pPr algn="ctr"/>
+            <a:r>
+              <a:rPr lang="en-US" dirty="0" smtClean="0"/>
+              <a:t>6</a:t>
+            </a:r>
+            <a:endParaRPr lang="en-US" dirty="0"/>
+          </a:p>
+        </p:txBody>
+      </p:sp>
+      <p:sp>
+        <p:nvSpPr>
+          <p:cNvPr id="32" name="Rectangle 31"/>
+          <p:cNvSpPr/>
+          <p:nvPr/>
+        </p:nvSpPr>
+        <p:spPr>
+          <a:xfrm>
+            <a:off x="6976872" y="3505200"/>
+            <a:ext cx="762000" cy="609600"/>
+          </a:xfrm>
+          <a:prstGeom prst="rect">
+            <a:avLst/>
+          </a:prstGeom>
+        </p:spPr>
+        <p:style>
+          <a:lnRef idx="3">
+            <a:schemeClr val="lt1"/>
+          </a:lnRef>
+          <a:fillRef idx="1">
+            <a:schemeClr val="accent3"/>
+          </a:fillRef>
+          <a:effectRef idx="1">
+            <a:schemeClr val="accent3"/>
+          </a:effectRef>
+          <a:fontRef idx="minor">
+            <a:schemeClr val="lt1"/>
+          </a:fontRef>
+        </p:style>
+        <p:txBody>
+          <a:bodyPr rtlCol="0" anchor="ctr"/>
+          <a:lstStyle/>
+          <a:p>
+            <a:pPr algn="ctr"/>
+            <a:r>
+              <a:rPr lang="en-US" dirty="0" smtClean="0"/>
+              <a:t>10</a:t>
+            </a:r>
+            <a:endParaRPr lang="en-US" dirty="0"/>
+          </a:p>
+        </p:txBody>
+      </p:sp>
+      <p:sp>
+        <p:nvSpPr>
+          <p:cNvPr id="33" name="Rectangle 32"/>
+          <p:cNvSpPr/>
+          <p:nvPr/>
+        </p:nvSpPr>
+        <p:spPr>
+          <a:xfrm>
+            <a:off x="7738872" y="3505200"/>
+            <a:ext cx="762000" cy="609600"/>
+          </a:xfrm>
+          <a:prstGeom prst="rect">
+            <a:avLst/>
+          </a:prstGeom>
+        </p:spPr>
+        <p:style>
+          <a:lnRef idx="3">
+            <a:schemeClr val="lt1"/>
+          </a:lnRef>
+          <a:fillRef idx="1">
+            <a:schemeClr val="accent3"/>
+          </a:fillRef>
+          <a:effectRef idx="1">
+            <a:schemeClr val="accent3"/>
+          </a:effectRef>
+          <a:fontRef idx="minor">
+            <a:schemeClr val="lt1"/>
+          </a:fontRef>
+        </p:style>
+        <p:txBody>
+          <a:bodyPr rtlCol="0" anchor="ctr"/>
+          <a:lstStyle/>
+          <a:p>
+            <a:pPr algn="ctr"/>
+            <a:r>
+              <a:rPr lang="en-US" dirty="0" smtClean="0"/>
+              <a:t>14</a:t>
+            </a:r>
+            <a:endParaRPr lang="en-US" dirty="0"/>
+          </a:p>
+        </p:txBody>
+      </p:sp>
+      <p:sp>
+        <p:nvSpPr>
+          <p:cNvPr id="34" name="Rectangle 33"/>
+          <p:cNvSpPr/>
+          <p:nvPr/>
+        </p:nvSpPr>
+        <p:spPr>
+          <a:xfrm>
+            <a:off x="5452872" y="4114800"/>
+            <a:ext cx="762000" cy="609600"/>
+          </a:xfrm>
+          <a:prstGeom prst="rect">
+            <a:avLst/>
+          </a:prstGeom>
+        </p:spPr>
+        <p:style>
+          <a:lnRef idx="3">
+            <a:schemeClr val="lt1"/>
+          </a:lnRef>
+          <a:fillRef idx="1">
+            <a:schemeClr val="accent3"/>
+          </a:fillRef>
+          <a:effectRef idx="1">
+            <a:schemeClr val="accent3"/>
+          </a:effectRef>
+          <a:fontRef idx="minor">
+            <a:schemeClr val="lt1"/>
+          </a:fontRef>
+        </p:style>
+        <p:txBody>
+          <a:bodyPr rtlCol="0" anchor="ctr"/>
+          <a:lstStyle/>
+          <a:p>
+            <a:pPr algn="ctr"/>
+            <a:r>
+              <a:rPr lang="en-US" dirty="0" smtClean="0"/>
+              <a:t>3</a:t>
+            </a:r>
+            <a:endParaRPr lang="en-US" dirty="0"/>
+          </a:p>
+        </p:txBody>
+      </p:sp>
+      <p:sp>
+        <p:nvSpPr>
+          <p:cNvPr id="35" name="Rectangle 34"/>
+          <p:cNvSpPr/>
+          <p:nvPr/>
+        </p:nvSpPr>
+        <p:spPr>
+          <a:xfrm>
+            <a:off x="6214872" y="4114800"/>
+            <a:ext cx="762000" cy="609600"/>
+          </a:xfrm>
+          <a:prstGeom prst="rect">
+            <a:avLst/>
+          </a:prstGeom>
+        </p:spPr>
+        <p:style>
+          <a:lnRef idx="3">
+            <a:schemeClr val="lt1"/>
+          </a:lnRef>
+          <a:fillRef idx="1">
+            <a:schemeClr val="accent3"/>
+          </a:fillRef>
+          <a:effectRef idx="1">
+            <a:schemeClr val="accent3"/>
+          </a:effectRef>
+          <a:fontRef idx="minor">
+            <a:schemeClr val="lt1"/>
+          </a:fontRef>
+        </p:style>
+        <p:txBody>
+          <a:bodyPr rtlCol="0" anchor="ctr"/>
+          <a:lstStyle/>
+          <a:p>
+            <a:pPr algn="ctr"/>
+            <a:r>
+              <a:rPr lang="en-US" dirty="0" smtClean="0"/>
+              <a:t>7</a:t>
+            </a:r>
+            <a:endParaRPr lang="en-US" dirty="0"/>
+          </a:p>
+        </p:txBody>
+      </p:sp>
+      <p:sp>
+        <p:nvSpPr>
+          <p:cNvPr id="36" name="Rectangle 35"/>
+          <p:cNvSpPr/>
+          <p:nvPr/>
+        </p:nvSpPr>
+        <p:spPr>
+          <a:xfrm>
+            <a:off x="6976872" y="4114800"/>
+            <a:ext cx="762000" cy="609600"/>
+          </a:xfrm>
+          <a:prstGeom prst="rect">
+            <a:avLst/>
+          </a:prstGeom>
+        </p:spPr>
+        <p:style>
+          <a:lnRef idx="3">
+            <a:schemeClr val="lt1"/>
+          </a:lnRef>
+          <a:fillRef idx="1">
+            <a:schemeClr val="accent3"/>
+          </a:fillRef>
+          <a:effectRef idx="1">
+            <a:schemeClr val="accent3"/>
+          </a:effectRef>
+          <a:fontRef idx="minor">
+            <a:schemeClr val="lt1"/>
+          </a:fontRef>
+        </p:style>
+        <p:txBody>
+          <a:bodyPr rtlCol="0" anchor="ctr"/>
+          <a:lstStyle/>
+          <a:p>
+            <a:pPr algn="ctr"/>
+            <a:r>
+              <a:rPr lang="en-US" dirty="0" smtClean="0"/>
+              <a:t>11</a:t>
+            </a:r>
+            <a:endParaRPr lang="en-US" dirty="0"/>
+          </a:p>
+        </p:txBody>
+      </p:sp>
+      <p:sp>
+        <p:nvSpPr>
+          <p:cNvPr id="37" name="Rectangle 36"/>
+          <p:cNvSpPr/>
+          <p:nvPr/>
+        </p:nvSpPr>
+        <p:spPr>
+          <a:xfrm>
+            <a:off x="7738872" y="4114800"/>
+            <a:ext cx="762000" cy="609600"/>
+          </a:xfrm>
+          <a:prstGeom prst="rect">
+            <a:avLst/>
+          </a:prstGeom>
+        </p:spPr>
+        <p:style>
+          <a:lnRef idx="3">
+            <a:schemeClr val="lt1"/>
+          </a:lnRef>
+          <a:fillRef idx="1">
+            <a:schemeClr val="accent3"/>
+          </a:fillRef>
+          <a:effectRef idx="1">
+            <a:schemeClr val="accent3"/>
+          </a:effectRef>
+          <a:fontRef idx="minor">
+            <a:schemeClr val="lt1"/>
+          </a:fontRef>
+        </p:style>
+        <p:txBody>
+          <a:bodyPr rtlCol="0" anchor="ctr"/>
+          <a:lstStyle/>
+          <a:p>
+            <a:pPr algn="ctr"/>
+            <a:r>
+              <a:rPr lang="en-US" dirty="0" smtClean="0"/>
+              <a:t>15</a:t>
+            </a:r>
+            <a:endParaRPr lang="en-US" dirty="0"/>
+          </a:p>
+        </p:txBody>
+      </p:sp>
+      <p:sp>
+        <p:nvSpPr>
+          <p:cNvPr id="38" name="Right Arrow 37"/>
+          <p:cNvSpPr/>
+          <p:nvPr/>
+        </p:nvSpPr>
+        <p:spPr>
+          <a:xfrm>
+            <a:off x="5452872" y="1828800"/>
+            <a:ext cx="3200400" cy="381000"/>
+          </a:xfrm>
+          <a:prstGeom prst="rightArrow">
+            <a:avLst/>
+          </a:prstGeom>
+        </p:spPr>
+        <p:style>
+          <a:lnRef idx="2">
+            <a:schemeClr val="accent1">
+              <a:shade val="50000"/>
+            </a:schemeClr>
+          </a:lnRef>
+          <a:fillRef idx="1">
+            <a:schemeClr val="accent1"/>
+          </a:fillRef>
+          <a:effectRef idx="0">
+            <a:schemeClr val="accent1"/>
+          </a:effectRef>
+          <a:fontRef idx="minor">
+            <a:schemeClr val="lt1"/>
+          </a:fontRef>
+        </p:style>
+        <p:txBody>
+          <a:bodyPr rtlCol="0" anchor="ctr"/>
+          <a:lstStyle/>
+          <a:p>
+            <a:pPr algn="ctr"/>
+            <a:r>
+              <a:rPr lang="en-US" dirty="0" err="1" smtClean="0"/>
+              <a:t>threadIdx.y</a:t>
+            </a:r>
+            <a:r>
+              <a:rPr lang="en-US" dirty="0" smtClean="0"/>
+              <a:t> </a:t>
+            </a:r>
+            <a:endParaRPr lang="en-US" dirty="0"/>
+          </a:p>
+        </p:txBody>
+      </p:sp>
+      <p:sp>
+        <p:nvSpPr>
+          <p:cNvPr id="39" name="Right Arrow 38"/>
+          <p:cNvSpPr/>
+          <p:nvPr/>
+        </p:nvSpPr>
+        <p:spPr>
+          <a:xfrm rot="5400000">
+            <a:off x="3643122" y="3314700"/>
+            <a:ext cx="2933700" cy="381000"/>
+          </a:xfrm>
+          <a:prstGeom prst="rightArrow">
+            <a:avLst/>
+          </a:prstGeom>
+        </p:spPr>
+        <p:style>
+          <a:lnRef idx="2">
+            <a:schemeClr val="accent1">
+              <a:shade val="50000"/>
+            </a:schemeClr>
+          </a:lnRef>
+          <a:fillRef idx="1">
+            <a:schemeClr val="accent1"/>
+          </a:fillRef>
+          <a:effectRef idx="0">
+            <a:schemeClr val="accent1"/>
+          </a:effectRef>
+          <a:fontRef idx="minor">
+            <a:schemeClr val="lt1"/>
+          </a:fontRef>
+        </p:style>
+        <p:txBody>
+          <a:bodyPr vert="horz" wrap="none" tIns="0" bIns="0" rtlCol="0" anchor="ctr" anchorCtr="0"/>
+          <a:lstStyle/>
+          <a:p>
+            <a:pPr algn="ctr"/>
+            <a:r>
+              <a:rPr lang="en-US" dirty="0" err="1" smtClean="0"/>
+              <a:t>threadIdx.x</a:t>
+            </a:r>
+            <a:r>
+              <a:rPr lang="en-US" dirty="0" smtClean="0"/>
+              <a:t> </a:t>
+            </a:r>
+            <a:endParaRPr lang="en-US" dirty="0"/>
+          </a:p>
+        </p:txBody>
+      </p:sp>
+    </p:spTree>
+    <p:extLst>
+      <p:ext uri="{BB962C8B-B14F-4D97-AF65-F5344CB8AC3E}">
+        <p14:creationId xmlns:p14="http://schemas.microsoft.com/office/powerpoint/2010/main" val="1737271723"/>
+      </p:ext>
+    </p:extLst>
+  </p:cSld>
+  <p:clrMapOvr>
+    <a:masterClrMapping/>
+  </p:clrMapOvr>
+</p:sld>
+</file>
+
+<file path=ppt/slides/slide4.xml><?xml version="1.0" encoding="utf-8"?>
+<p:sld xmlns:a="http://schemas.openxmlformats.org/drawingml/2006/main" xmlns:r="http://schemas.openxmlformats.org/officeDocument/2006/relationships" xmlns:p="http://schemas.openxmlformats.org/presentationml/2006/main">
+  <p:cSld>
+    <p:spTree>
+      <p:nvGrpSpPr>
+        <p:cNvPr id="1" name=""/>
+        <p:cNvGrpSpPr/>
+        <p:nvPr/>
+      </p:nvGrpSpPr>
+      <p:grpSpPr>
+        <a:xfrm>
+          <a:off x="0" y="0"/>
+          <a:ext cx="0" cy="0"/>
+          <a:chOff x="0" y="0"/>
+          <a:chExt cx="0" cy="0"/>
+        </a:xfrm>
+      </p:grpSpPr>
+      <p:sp>
+        <p:nvSpPr>
+          <p:cNvPr id="39" name="Rectangle 38"/>
+          <p:cNvSpPr/>
+          <p:nvPr/>
+        </p:nvSpPr>
+        <p:spPr>
+          <a:xfrm>
+            <a:off x="279400" y="762000"/>
+            <a:ext cx="381000" cy="304800"/>
+          </a:xfrm>
+          <a:prstGeom prst="rect">
+            <a:avLst/>
+          </a:prstGeom>
+        </p:spPr>
+        <p:style>
+          <a:lnRef idx="1">
+            <a:schemeClr val="accent2"/>
+          </a:lnRef>
+          <a:fillRef idx="2">
+            <a:schemeClr val="accent2"/>
+          </a:fillRef>
+          <a:effectRef idx="1">
+            <a:schemeClr val="accent2"/>
+          </a:effectRef>
+          <a:fontRef idx="minor">
+            <a:schemeClr val="dk1"/>
+          </a:fontRef>
+        </p:style>
+        <p:txBody>
+          <a:bodyPr rtlCol="0" anchor="ctr"/>
+          <a:lstStyle/>
+          <a:p>
+            <a:pPr algn="ctr"/>
+            <a:endParaRPr lang="en-US"/>
+          </a:p>
+        </p:txBody>
+      </p:sp>
+      <p:sp>
+        <p:nvSpPr>
+          <p:cNvPr id="43" name="Rectangle 42"/>
+          <p:cNvSpPr/>
+          <p:nvPr/>
+        </p:nvSpPr>
+        <p:spPr>
+          <a:xfrm>
+            <a:off x="660400" y="762000"/>
+            <a:ext cx="381000" cy="304800"/>
+          </a:xfrm>
+          <a:prstGeom prst="rect">
+            <a:avLst/>
+          </a:prstGeom>
+        </p:spPr>
+        <p:style>
+          <a:lnRef idx="1">
+            <a:schemeClr val="accent2"/>
+          </a:lnRef>
+          <a:fillRef idx="2">
+            <a:schemeClr val="accent2"/>
+          </a:fillRef>
+          <a:effectRef idx="1">
+            <a:schemeClr val="accent2"/>
+          </a:effectRef>
+          <a:fontRef idx="minor">
+            <a:schemeClr val="dk1"/>
+          </a:fontRef>
+        </p:style>
+        <p:txBody>
+          <a:bodyPr rtlCol="0" anchor="ctr"/>
+          <a:lstStyle/>
+          <a:p>
+            <a:pPr algn="ctr"/>
+            <a:endParaRPr lang="en-US"/>
+          </a:p>
+        </p:txBody>
+      </p:sp>
+      <p:sp>
+        <p:nvSpPr>
+          <p:cNvPr id="44" name="Rectangle 43"/>
+          <p:cNvSpPr/>
+          <p:nvPr/>
+        </p:nvSpPr>
+        <p:spPr>
+          <a:xfrm>
+            <a:off x="1028700" y="762000"/>
+            <a:ext cx="381000" cy="304800"/>
+          </a:xfrm>
+          <a:prstGeom prst="rect">
+            <a:avLst/>
+          </a:prstGeom>
+        </p:spPr>
+        <p:style>
+          <a:lnRef idx="1">
+            <a:schemeClr val="accent2"/>
+          </a:lnRef>
+          <a:fillRef idx="2">
+            <a:schemeClr val="accent2"/>
+          </a:fillRef>
+          <a:effectRef idx="1">
+            <a:schemeClr val="accent2"/>
+          </a:effectRef>
+          <a:fontRef idx="minor">
+            <a:schemeClr val="dk1"/>
+          </a:fontRef>
+        </p:style>
+        <p:txBody>
+          <a:bodyPr rtlCol="0" anchor="ctr"/>
+          <a:lstStyle/>
+          <a:p>
+            <a:pPr algn="ctr"/>
+            <a:endParaRPr lang="en-US"/>
+          </a:p>
+        </p:txBody>
+      </p:sp>
+      <p:sp>
+        <p:nvSpPr>
+          <p:cNvPr id="45" name="Rectangle 44"/>
+          <p:cNvSpPr/>
+          <p:nvPr/>
+        </p:nvSpPr>
+        <p:spPr>
+          <a:xfrm>
+            <a:off x="1409700" y="762000"/>
+            <a:ext cx="381000" cy="304800"/>
+          </a:xfrm>
+          <a:prstGeom prst="rect">
+            <a:avLst/>
+          </a:prstGeom>
+        </p:spPr>
+        <p:style>
+          <a:lnRef idx="1">
+            <a:schemeClr val="accent2"/>
+          </a:lnRef>
+          <a:fillRef idx="2">
+            <a:schemeClr val="accent2"/>
+          </a:fillRef>
+          <a:effectRef idx="1">
+            <a:schemeClr val="accent2"/>
+          </a:effectRef>
+          <a:fontRef idx="minor">
+            <a:schemeClr val="dk1"/>
+          </a:fontRef>
+        </p:style>
+        <p:txBody>
+          <a:bodyPr rtlCol="0" anchor="ctr"/>
+          <a:lstStyle/>
+          <a:p>
+            <a:pPr algn="ctr"/>
+            <a:endParaRPr lang="en-US"/>
+          </a:p>
+        </p:txBody>
+      </p:sp>
+      <p:sp>
+        <p:nvSpPr>
+          <p:cNvPr id="46" name="Rectangle 45"/>
+          <p:cNvSpPr/>
+          <p:nvPr/>
+        </p:nvSpPr>
+        <p:spPr>
+          <a:xfrm>
+            <a:off x="2133600" y="762000"/>
+            <a:ext cx="381000" cy="304800"/>
+          </a:xfrm>
+          <a:prstGeom prst="rect">
+            <a:avLst/>
+          </a:prstGeom>
+        </p:spPr>
+        <p:style>
+          <a:lnRef idx="1">
+            <a:schemeClr val="accent2"/>
+          </a:lnRef>
+          <a:fillRef idx="2">
+            <a:schemeClr val="accent2"/>
+          </a:fillRef>
+          <a:effectRef idx="1">
+            <a:schemeClr val="accent2"/>
+          </a:effectRef>
+          <a:fontRef idx="minor">
+            <a:schemeClr val="dk1"/>
+          </a:fontRef>
+        </p:style>
+        <p:txBody>
+          <a:bodyPr rtlCol="0" anchor="ctr"/>
+          <a:lstStyle/>
+          <a:p>
+            <a:pPr algn="ctr"/>
+            <a:endParaRPr lang="en-US"/>
+          </a:p>
+        </p:txBody>
+      </p:sp>
+      <p:sp>
+        <p:nvSpPr>
+          <p:cNvPr id="47" name="Rectangle 46"/>
+          <p:cNvSpPr/>
+          <p:nvPr/>
+        </p:nvSpPr>
+        <p:spPr>
+          <a:xfrm>
+            <a:off x="2514600" y="762000"/>
+            <a:ext cx="381000" cy="304800"/>
+          </a:xfrm>
+          <a:prstGeom prst="rect">
+            <a:avLst/>
+          </a:prstGeom>
+        </p:spPr>
+        <p:style>
+          <a:lnRef idx="1">
+            <a:schemeClr val="accent2"/>
+          </a:lnRef>
+          <a:fillRef idx="2">
+            <a:schemeClr val="accent2"/>
+          </a:fillRef>
+          <a:effectRef idx="1">
+            <a:schemeClr val="accent2"/>
+          </a:effectRef>
+          <a:fontRef idx="minor">
+            <a:schemeClr val="dk1"/>
+          </a:fontRef>
+        </p:style>
+        <p:txBody>
+          <a:bodyPr rtlCol="0" anchor="ctr"/>
+          <a:lstStyle/>
+          <a:p>
+            <a:pPr algn="ctr"/>
+            <a:endParaRPr lang="en-US"/>
+          </a:p>
+        </p:txBody>
+      </p:sp>
+      <p:sp>
+        <p:nvSpPr>
+          <p:cNvPr id="48" name="Rectangle 47"/>
+          <p:cNvSpPr/>
+          <p:nvPr/>
+        </p:nvSpPr>
+        <p:spPr>
+          <a:xfrm>
+            <a:off x="2882900" y="762000"/>
+            <a:ext cx="381000" cy="304800"/>
+          </a:xfrm>
+          <a:prstGeom prst="rect">
+            <a:avLst/>
+          </a:prstGeom>
+        </p:spPr>
+        <p:style>
+          <a:lnRef idx="1">
+            <a:schemeClr val="accent2"/>
+          </a:lnRef>
+          <a:fillRef idx="2">
+            <a:schemeClr val="accent2"/>
+          </a:fillRef>
+          <a:effectRef idx="1">
+            <a:schemeClr val="accent2"/>
+          </a:effectRef>
+          <a:fontRef idx="minor">
+            <a:schemeClr val="dk1"/>
+          </a:fontRef>
+        </p:style>
+        <p:txBody>
+          <a:bodyPr rtlCol="0" anchor="ctr"/>
+          <a:lstStyle/>
+          <a:p>
+            <a:pPr algn="ctr"/>
+            <a:endParaRPr lang="en-US"/>
+          </a:p>
+        </p:txBody>
+      </p:sp>
+      <p:sp>
+        <p:nvSpPr>
+          <p:cNvPr id="49" name="Rectangle 48"/>
+          <p:cNvSpPr/>
+          <p:nvPr/>
+        </p:nvSpPr>
+        <p:spPr>
+          <a:xfrm>
+            <a:off x="3263900" y="762000"/>
+            <a:ext cx="381000" cy="304800"/>
+          </a:xfrm>
+          <a:prstGeom prst="rect">
+            <a:avLst/>
+          </a:prstGeom>
+        </p:spPr>
+        <p:style>
+          <a:lnRef idx="1">
+            <a:schemeClr val="accent2"/>
+          </a:lnRef>
+          <a:fillRef idx="2">
+            <a:schemeClr val="accent2"/>
+          </a:fillRef>
+          <a:effectRef idx="1">
+            <a:schemeClr val="accent2"/>
+          </a:effectRef>
+          <a:fontRef idx="minor">
+            <a:schemeClr val="dk1"/>
+          </a:fontRef>
+        </p:style>
+        <p:txBody>
+          <a:bodyPr rtlCol="0" anchor="ctr"/>
+          <a:lstStyle/>
+          <a:p>
+            <a:pPr algn="ctr"/>
+            <a:endParaRPr lang="en-US"/>
+          </a:p>
+        </p:txBody>
+      </p:sp>
+      <p:sp>
+        <p:nvSpPr>
+          <p:cNvPr id="50" name="Rectangle 49"/>
+          <p:cNvSpPr/>
+          <p:nvPr/>
+        </p:nvSpPr>
+        <p:spPr>
+          <a:xfrm>
+            <a:off x="3649133" y="762000"/>
+            <a:ext cx="381000" cy="304800"/>
+          </a:xfrm>
+          <a:prstGeom prst="rect">
+            <a:avLst/>
+          </a:prstGeom>
+        </p:spPr>
+        <p:style>
+          <a:lnRef idx="1">
+            <a:schemeClr val="accent4"/>
+          </a:lnRef>
+          <a:fillRef idx="2">
+            <a:schemeClr val="accent4"/>
+          </a:fillRef>
+          <a:effectRef idx="1">
+            <a:schemeClr val="accent4"/>
+          </a:effectRef>
+          <a:fontRef idx="minor">
+            <a:schemeClr val="dk1"/>
+          </a:fontRef>
+        </p:style>
+        <p:txBody>
+          <a:bodyPr rtlCol="0" anchor="ctr"/>
+          <a:lstStyle/>
+          <a:p>
+            <a:pPr algn="ctr"/>
+            <a:endParaRPr lang="en-US"/>
+          </a:p>
+        </p:txBody>
+      </p:sp>
+      <p:sp>
+        <p:nvSpPr>
+          <p:cNvPr id="51" name="Rectangle 50"/>
+          <p:cNvSpPr/>
+          <p:nvPr/>
+        </p:nvSpPr>
+        <p:spPr>
+          <a:xfrm>
+            <a:off x="4030133" y="762000"/>
+            <a:ext cx="381000" cy="304800"/>
+          </a:xfrm>
+          <a:prstGeom prst="rect">
+            <a:avLst/>
+          </a:prstGeom>
+        </p:spPr>
+        <p:style>
+          <a:lnRef idx="1">
+            <a:schemeClr val="accent4"/>
+          </a:lnRef>
+          <a:fillRef idx="2">
+            <a:schemeClr val="accent4"/>
+          </a:fillRef>
+          <a:effectRef idx="1">
+            <a:schemeClr val="accent4"/>
+          </a:effectRef>
+          <a:fontRef idx="minor">
+            <a:schemeClr val="dk1"/>
+          </a:fontRef>
+        </p:style>
+        <p:txBody>
+          <a:bodyPr rtlCol="0" anchor="ctr"/>
+          <a:lstStyle/>
+          <a:p>
+            <a:pPr algn="ctr"/>
+            <a:endParaRPr lang="en-US"/>
+          </a:p>
+        </p:txBody>
+      </p:sp>
+      <p:sp>
+        <p:nvSpPr>
+          <p:cNvPr id="52" name="Rectangle 51"/>
+          <p:cNvSpPr/>
+          <p:nvPr/>
+        </p:nvSpPr>
+        <p:spPr>
+          <a:xfrm>
+            <a:off x="4398433" y="762000"/>
+            <a:ext cx="381000" cy="304800"/>
+          </a:xfrm>
+          <a:prstGeom prst="rect">
+            <a:avLst/>
+          </a:prstGeom>
+        </p:spPr>
+        <p:style>
+          <a:lnRef idx="1">
+            <a:schemeClr val="accent4"/>
+          </a:lnRef>
+          <a:fillRef idx="2">
+            <a:schemeClr val="accent4"/>
+          </a:fillRef>
+          <a:effectRef idx="1">
+            <a:schemeClr val="accent4"/>
+          </a:effectRef>
+          <a:fontRef idx="minor">
+            <a:schemeClr val="dk1"/>
+          </a:fontRef>
+        </p:style>
+        <p:txBody>
+          <a:bodyPr rtlCol="0" anchor="ctr"/>
+          <a:lstStyle/>
+          <a:p>
+            <a:pPr algn="ctr"/>
+            <a:endParaRPr lang="en-US"/>
+          </a:p>
+        </p:txBody>
+      </p:sp>
+      <p:sp>
+        <p:nvSpPr>
+          <p:cNvPr id="53" name="Rectangle 52"/>
+          <p:cNvSpPr/>
+          <p:nvPr/>
+        </p:nvSpPr>
+        <p:spPr>
+          <a:xfrm>
+            <a:off x="4779433" y="762000"/>
+            <a:ext cx="381000" cy="304800"/>
+          </a:xfrm>
+          <a:prstGeom prst="rect">
+            <a:avLst/>
+          </a:prstGeom>
+        </p:spPr>
+        <p:style>
+          <a:lnRef idx="1">
+            <a:schemeClr val="accent4"/>
+          </a:lnRef>
+          <a:fillRef idx="2">
+            <a:schemeClr val="accent4"/>
+          </a:fillRef>
+          <a:effectRef idx="1">
+            <a:schemeClr val="accent4"/>
+          </a:effectRef>
+          <a:fontRef idx="minor">
+            <a:schemeClr val="dk1"/>
+          </a:fontRef>
+        </p:style>
+        <p:txBody>
+          <a:bodyPr rtlCol="0" anchor="ctr"/>
+          <a:lstStyle/>
+          <a:p>
+            <a:pPr algn="ctr"/>
+            <a:endParaRPr lang="en-US"/>
+          </a:p>
+        </p:txBody>
+      </p:sp>
+      <p:sp>
+        <p:nvSpPr>
+          <p:cNvPr id="62" name="Rectangle 61"/>
+          <p:cNvSpPr/>
+          <p:nvPr/>
+        </p:nvSpPr>
+        <p:spPr>
+          <a:xfrm>
+            <a:off x="5151966" y="762000"/>
+            <a:ext cx="381000" cy="304800"/>
+          </a:xfrm>
+          <a:prstGeom prst="rect">
+            <a:avLst/>
+          </a:prstGeom>
+        </p:spPr>
+        <p:style>
+          <a:lnRef idx="1">
+            <a:schemeClr val="accent3"/>
+          </a:lnRef>
+          <a:fillRef idx="2">
+            <a:schemeClr val="accent3"/>
+          </a:fillRef>
+          <a:effectRef idx="1">
+            <a:schemeClr val="accent3"/>
+          </a:effectRef>
+          <a:fontRef idx="minor">
+            <a:schemeClr val="dk1"/>
+          </a:fontRef>
+        </p:style>
+        <p:txBody>
+          <a:bodyPr rtlCol="0" anchor="ctr"/>
+          <a:lstStyle/>
+          <a:p>
+            <a:pPr algn="ctr"/>
+            <a:endParaRPr lang="en-US"/>
+          </a:p>
+        </p:txBody>
+      </p:sp>
+      <p:sp>
+        <p:nvSpPr>
+          <p:cNvPr id="63" name="Rectangle 62"/>
+          <p:cNvSpPr/>
+          <p:nvPr/>
+        </p:nvSpPr>
+        <p:spPr>
+          <a:xfrm>
+            <a:off x="5532966" y="762000"/>
+            <a:ext cx="381000" cy="304800"/>
+          </a:xfrm>
+          <a:prstGeom prst="rect">
+            <a:avLst/>
+          </a:prstGeom>
+        </p:spPr>
+        <p:style>
+          <a:lnRef idx="1">
+            <a:schemeClr val="accent3"/>
+          </a:lnRef>
+          <a:fillRef idx="2">
+            <a:schemeClr val="accent3"/>
+          </a:fillRef>
+          <a:effectRef idx="1">
+            <a:schemeClr val="accent3"/>
+          </a:effectRef>
+          <a:fontRef idx="minor">
+            <a:schemeClr val="dk1"/>
+          </a:fontRef>
+        </p:style>
+        <p:txBody>
+          <a:bodyPr rtlCol="0" anchor="ctr"/>
+          <a:lstStyle/>
+          <a:p>
+            <a:pPr algn="ctr"/>
+            <a:endParaRPr lang="en-US"/>
+          </a:p>
+        </p:txBody>
+      </p:sp>
+      <p:sp>
+        <p:nvSpPr>
+          <p:cNvPr id="64" name="Rectangle 63"/>
+          <p:cNvSpPr/>
+          <p:nvPr/>
+        </p:nvSpPr>
+        <p:spPr>
+          <a:xfrm>
+            <a:off x="5901266" y="762000"/>
+            <a:ext cx="381000" cy="304800"/>
+          </a:xfrm>
+          <a:prstGeom prst="rect">
+            <a:avLst/>
+          </a:prstGeom>
+        </p:spPr>
+        <p:style>
+          <a:lnRef idx="1">
+            <a:schemeClr val="accent3"/>
+          </a:lnRef>
+          <a:fillRef idx="2">
+            <a:schemeClr val="accent3"/>
+          </a:fillRef>
+          <a:effectRef idx="1">
+            <a:schemeClr val="accent3"/>
+          </a:effectRef>
+          <a:fontRef idx="minor">
+            <a:schemeClr val="dk1"/>
+          </a:fontRef>
+        </p:style>
+        <p:txBody>
+          <a:bodyPr rtlCol="0" anchor="ctr"/>
+          <a:lstStyle/>
+          <a:p>
+            <a:pPr algn="ctr"/>
+            <a:endParaRPr lang="en-US"/>
+          </a:p>
+        </p:txBody>
+      </p:sp>
+      <p:sp>
+        <p:nvSpPr>
+          <p:cNvPr id="65" name="Rectangle 64"/>
+          <p:cNvSpPr/>
+          <p:nvPr/>
+        </p:nvSpPr>
+        <p:spPr>
+          <a:xfrm>
+            <a:off x="6282266" y="762000"/>
+            <a:ext cx="381000" cy="304800"/>
+          </a:xfrm>
+          <a:prstGeom prst="rect">
+            <a:avLst/>
+          </a:prstGeom>
+        </p:spPr>
+        <p:style>
+          <a:lnRef idx="1">
+            <a:schemeClr val="accent3"/>
+          </a:lnRef>
+          <a:fillRef idx="2">
+            <a:schemeClr val="accent3"/>
+          </a:fillRef>
+          <a:effectRef idx="1">
+            <a:schemeClr val="accent3"/>
+          </a:effectRef>
+          <a:fontRef idx="minor">
+            <a:schemeClr val="dk1"/>
+          </a:fontRef>
+        </p:style>
+        <p:txBody>
+          <a:bodyPr rtlCol="0" anchor="ctr"/>
+          <a:lstStyle/>
+          <a:p>
+            <a:pPr algn="ctr"/>
+            <a:endParaRPr lang="en-US"/>
+          </a:p>
+        </p:txBody>
+      </p:sp>
+      <p:sp>
+        <p:nvSpPr>
+          <p:cNvPr id="66" name="Rectangle 65"/>
+          <p:cNvSpPr/>
+          <p:nvPr/>
+        </p:nvSpPr>
+        <p:spPr>
+          <a:xfrm>
+            <a:off x="279400" y="1066800"/>
+            <a:ext cx="381000" cy="304800"/>
+          </a:xfrm>
+          <a:prstGeom prst="rect">
+            <a:avLst/>
+          </a:prstGeom>
+        </p:spPr>
+        <p:style>
+          <a:lnRef idx="1">
+            <a:schemeClr val="accent4"/>
+          </a:lnRef>
+          <a:fillRef idx="2">
+            <a:schemeClr val="accent4"/>
+          </a:fillRef>
+          <a:effectRef idx="1">
+            <a:schemeClr val="accent4"/>
+          </a:effectRef>
+          <a:fontRef idx="minor">
+            <a:schemeClr val="dk1"/>
+          </a:fontRef>
+        </p:style>
+        <p:txBody>
+          <a:bodyPr rtlCol="0" anchor="ctr"/>
+          <a:lstStyle/>
+          <a:p>
+            <a:pPr algn="ctr"/>
+            <a:endParaRPr lang="en-US"/>
+          </a:p>
+        </p:txBody>
+      </p:sp>
+      <p:sp>
+        <p:nvSpPr>
+          <p:cNvPr id="67" name="Rectangle 66"/>
+          <p:cNvSpPr/>
+          <p:nvPr/>
+        </p:nvSpPr>
+        <p:spPr>
+          <a:xfrm>
+            <a:off x="660400" y="1066800"/>
+            <a:ext cx="381000" cy="304800"/>
+          </a:xfrm>
+          <a:prstGeom prst="rect">
+            <a:avLst/>
+          </a:prstGeom>
+        </p:spPr>
+        <p:style>
+          <a:lnRef idx="1">
+            <a:schemeClr val="accent4"/>
+          </a:lnRef>
+          <a:fillRef idx="2">
+            <a:schemeClr val="accent4"/>
+          </a:fillRef>
+          <a:effectRef idx="1">
+            <a:schemeClr val="accent4"/>
+          </a:effectRef>
+          <a:fontRef idx="minor">
+            <a:schemeClr val="dk1"/>
+          </a:fontRef>
+        </p:style>
+        <p:txBody>
+          <a:bodyPr rtlCol="0" anchor="ctr"/>
+          <a:lstStyle/>
+          <a:p>
+            <a:pPr algn="ctr"/>
+            <a:endParaRPr lang="en-US"/>
+          </a:p>
+        </p:txBody>
+      </p:sp>
+      <p:sp>
+        <p:nvSpPr>
+          <p:cNvPr id="68" name="Rectangle 67"/>
+          <p:cNvSpPr/>
+          <p:nvPr/>
+        </p:nvSpPr>
+        <p:spPr>
+          <a:xfrm>
+            <a:off x="1028700" y="1066800"/>
+            <a:ext cx="381000" cy="304800"/>
+          </a:xfrm>
+          <a:prstGeom prst="rect">
+            <a:avLst/>
+          </a:prstGeom>
+        </p:spPr>
+        <p:style>
+          <a:lnRef idx="1">
+            <a:schemeClr val="accent4"/>
+          </a:lnRef>
+          <a:fillRef idx="2">
+            <a:schemeClr val="accent4"/>
+          </a:fillRef>
+          <a:effectRef idx="1">
+            <a:schemeClr val="accent4"/>
+          </a:effectRef>
+          <a:fontRef idx="minor">
+            <a:schemeClr val="dk1"/>
+          </a:fontRef>
+        </p:style>
+        <p:txBody>
+          <a:bodyPr rtlCol="0" anchor="ctr"/>
+          <a:lstStyle/>
+          <a:p>
+            <a:pPr algn="ctr"/>
+            <a:endParaRPr lang="en-US"/>
+          </a:p>
+        </p:txBody>
+      </p:sp>
+      <p:sp>
+        <p:nvSpPr>
+          <p:cNvPr id="69" name="Rectangle 68"/>
+          <p:cNvSpPr/>
+          <p:nvPr/>
+        </p:nvSpPr>
+        <p:spPr>
+          <a:xfrm>
+            <a:off x="1409700" y="1066800"/>
+            <a:ext cx="381000" cy="304800"/>
+          </a:xfrm>
+          <a:prstGeom prst="rect">
+            <a:avLst/>
+          </a:prstGeom>
+        </p:spPr>
+        <p:style>
+          <a:lnRef idx="1">
+            <a:schemeClr val="accent4"/>
+          </a:lnRef>
+          <a:fillRef idx="2">
+            <a:schemeClr val="accent4"/>
+          </a:fillRef>
+          <a:effectRef idx="1">
+            <a:schemeClr val="accent4"/>
+          </a:effectRef>
+          <a:fontRef idx="minor">
+            <a:schemeClr val="dk1"/>
+          </a:fontRef>
+        </p:style>
+        <p:txBody>
+          <a:bodyPr rtlCol="0" anchor="ctr"/>
+          <a:lstStyle/>
+          <a:p>
+            <a:pPr algn="ctr"/>
+            <a:endParaRPr lang="en-US"/>
+          </a:p>
+        </p:txBody>
+      </p:sp>
+      <p:sp>
+        <p:nvSpPr>
+          <p:cNvPr id="70" name="Rectangle 69"/>
+          <p:cNvSpPr/>
+          <p:nvPr/>
+        </p:nvSpPr>
+        <p:spPr>
+          <a:xfrm>
+            <a:off x="279400" y="1380067"/>
+            <a:ext cx="381000" cy="304800"/>
+          </a:xfrm>
+          <a:prstGeom prst="rect">
+            <a:avLst/>
+          </a:prstGeom>
+        </p:spPr>
+        <p:style>
+          <a:lnRef idx="1">
+            <a:schemeClr val="accent3"/>
+          </a:lnRef>
+          <a:fillRef idx="2">
+            <a:schemeClr val="accent3"/>
+          </a:fillRef>
+          <a:effectRef idx="1">
+            <a:schemeClr val="accent3"/>
+          </a:effectRef>
+          <a:fontRef idx="minor">
+            <a:schemeClr val="dk1"/>
+          </a:fontRef>
+        </p:style>
+        <p:txBody>
+          <a:bodyPr rtlCol="0" anchor="ctr"/>
+          <a:lstStyle/>
+          <a:p>
+            <a:pPr algn="ctr"/>
+            <a:endParaRPr lang="en-US"/>
+          </a:p>
+        </p:txBody>
+      </p:sp>
+      <p:sp>
+        <p:nvSpPr>
+          <p:cNvPr id="71" name="Rectangle 70"/>
+          <p:cNvSpPr/>
+          <p:nvPr/>
+        </p:nvSpPr>
+        <p:spPr>
+          <a:xfrm>
+            <a:off x="660400" y="1380067"/>
+            <a:ext cx="381000" cy="304800"/>
+          </a:xfrm>
+          <a:prstGeom prst="rect">
+            <a:avLst/>
+          </a:prstGeom>
+        </p:spPr>
+        <p:style>
+          <a:lnRef idx="1">
+            <a:schemeClr val="accent3"/>
+          </a:lnRef>
+          <a:fillRef idx="2">
+            <a:schemeClr val="accent3"/>
+          </a:fillRef>
+          <a:effectRef idx="1">
+            <a:schemeClr val="accent3"/>
+          </a:effectRef>
+          <a:fontRef idx="minor">
+            <a:schemeClr val="dk1"/>
+          </a:fontRef>
+        </p:style>
+        <p:txBody>
+          <a:bodyPr rtlCol="0" anchor="ctr"/>
+          <a:lstStyle/>
+          <a:p>
+            <a:pPr algn="ctr"/>
+            <a:endParaRPr lang="en-US"/>
+          </a:p>
+        </p:txBody>
+      </p:sp>
+      <p:sp>
+        <p:nvSpPr>
+          <p:cNvPr id="72" name="Rectangle 71"/>
+          <p:cNvSpPr/>
+          <p:nvPr/>
+        </p:nvSpPr>
+        <p:spPr>
+          <a:xfrm>
+            <a:off x="1028700" y="1380067"/>
+            <a:ext cx="381000" cy="304800"/>
+          </a:xfrm>
+          <a:prstGeom prst="rect">
+            <a:avLst/>
+          </a:prstGeom>
+        </p:spPr>
+        <p:style>
+          <a:lnRef idx="1">
+            <a:schemeClr val="accent3"/>
+          </a:lnRef>
+          <a:fillRef idx="2">
+            <a:schemeClr val="accent3"/>
+          </a:fillRef>
+          <a:effectRef idx="1">
+            <a:schemeClr val="accent3"/>
+          </a:effectRef>
+          <a:fontRef idx="minor">
+            <a:schemeClr val="dk1"/>
+          </a:fontRef>
+        </p:style>
+        <p:txBody>
+          <a:bodyPr rtlCol="0" anchor="ctr"/>
+          <a:lstStyle/>
+          <a:p>
+            <a:pPr algn="ctr"/>
+            <a:endParaRPr lang="en-US"/>
+          </a:p>
+        </p:txBody>
+      </p:sp>
+      <p:sp>
+        <p:nvSpPr>
+          <p:cNvPr id="73" name="Rectangle 72"/>
+          <p:cNvSpPr/>
+          <p:nvPr/>
+        </p:nvSpPr>
+        <p:spPr>
+          <a:xfrm>
+            <a:off x="1409700" y="1380067"/>
+            <a:ext cx="381000" cy="304800"/>
+          </a:xfrm>
+          <a:prstGeom prst="rect">
+            <a:avLst/>
+          </a:prstGeom>
+        </p:spPr>
+        <p:style>
+          <a:lnRef idx="1">
+            <a:schemeClr val="accent3"/>
+          </a:lnRef>
+          <a:fillRef idx="2">
+            <a:schemeClr val="accent3"/>
+          </a:fillRef>
+          <a:effectRef idx="1">
+            <a:schemeClr val="accent3"/>
+          </a:effectRef>
+          <a:fontRef idx="minor">
+            <a:schemeClr val="dk1"/>
+          </a:fontRef>
+        </p:style>
+        <p:txBody>
+          <a:bodyPr rtlCol="0" anchor="ctr"/>
+          <a:lstStyle/>
+          <a:p>
+            <a:pPr algn="ctr"/>
+            <a:endParaRPr lang="en-US"/>
+          </a:p>
+        </p:txBody>
+      </p:sp>
+      <p:sp>
+        <p:nvSpPr>
+          <p:cNvPr id="78" name="Rectangle 77"/>
+          <p:cNvSpPr/>
+          <p:nvPr/>
+        </p:nvSpPr>
+        <p:spPr>
+          <a:xfrm>
+            <a:off x="2150532" y="1439333"/>
+            <a:ext cx="381000" cy="304800"/>
+          </a:xfrm>
+          <a:prstGeom prst="rect">
+            <a:avLst/>
+          </a:prstGeom>
+        </p:spPr>
+        <p:style>
+          <a:lnRef idx="1">
+            <a:schemeClr val="accent2"/>
+          </a:lnRef>
+          <a:fillRef idx="2">
+            <a:schemeClr val="accent2"/>
+          </a:fillRef>
+          <a:effectRef idx="1">
+            <a:schemeClr val="accent2"/>
+          </a:effectRef>
+          <a:fontRef idx="minor">
+            <a:schemeClr val="dk1"/>
+          </a:fontRef>
+        </p:style>
+        <p:txBody>
+          <a:bodyPr rtlCol="0" anchor="ctr"/>
+          <a:lstStyle/>
+          <a:p>
+            <a:pPr algn="ctr"/>
+            <a:endParaRPr lang="en-US"/>
+          </a:p>
+        </p:txBody>
+      </p:sp>
+      <p:sp>
+        <p:nvSpPr>
+          <p:cNvPr id="79" name="Rectangle 78"/>
+          <p:cNvSpPr/>
+          <p:nvPr/>
+        </p:nvSpPr>
+        <p:spPr>
+          <a:xfrm>
+            <a:off x="2531532" y="1439333"/>
+            <a:ext cx="381000" cy="304800"/>
+          </a:xfrm>
+          <a:prstGeom prst="rect">
+            <a:avLst/>
+          </a:prstGeom>
+        </p:spPr>
+        <p:style>
+          <a:lnRef idx="1">
+            <a:schemeClr val="accent4"/>
+          </a:lnRef>
+          <a:fillRef idx="2">
+            <a:schemeClr val="accent4"/>
+          </a:fillRef>
+          <a:effectRef idx="1">
+            <a:schemeClr val="accent4"/>
+          </a:effectRef>
+          <a:fontRef idx="minor">
+            <a:schemeClr val="dk1"/>
+          </a:fontRef>
+        </p:style>
+        <p:txBody>
+          <a:bodyPr rtlCol="0" anchor="ctr"/>
+          <a:lstStyle/>
+          <a:p>
+            <a:pPr algn="ctr"/>
+            <a:endParaRPr lang="en-US"/>
+          </a:p>
+        </p:txBody>
+      </p:sp>
+      <p:sp>
+        <p:nvSpPr>
+          <p:cNvPr id="80" name="Rectangle 79"/>
+          <p:cNvSpPr/>
+          <p:nvPr/>
+        </p:nvSpPr>
+        <p:spPr>
+          <a:xfrm>
+            <a:off x="2899832" y="1439333"/>
+            <a:ext cx="381000" cy="304800"/>
+          </a:xfrm>
+          <a:prstGeom prst="rect">
+            <a:avLst/>
+          </a:prstGeom>
+        </p:spPr>
+        <p:style>
+          <a:lnRef idx="1">
+            <a:schemeClr val="accent3"/>
+          </a:lnRef>
+          <a:fillRef idx="2">
+            <a:schemeClr val="accent3"/>
+          </a:fillRef>
+          <a:effectRef idx="1">
+            <a:schemeClr val="accent3"/>
+          </a:effectRef>
+          <a:fontRef idx="minor">
+            <a:schemeClr val="dk1"/>
+          </a:fontRef>
+        </p:style>
+        <p:txBody>
+          <a:bodyPr rtlCol="0" anchor="ctr"/>
+          <a:lstStyle/>
+          <a:p>
+            <a:pPr algn="ctr"/>
+            <a:endParaRPr lang="en-US"/>
+          </a:p>
+        </p:txBody>
+      </p:sp>
+      <p:sp>
+        <p:nvSpPr>
+          <p:cNvPr id="81" name="Rectangle 80"/>
+          <p:cNvSpPr/>
+          <p:nvPr/>
+        </p:nvSpPr>
+        <p:spPr>
+          <a:xfrm>
+            <a:off x="3280832" y="1439333"/>
+            <a:ext cx="381000" cy="304800"/>
+          </a:xfrm>
+          <a:prstGeom prst="rect">
+            <a:avLst/>
+          </a:prstGeom>
+        </p:spPr>
+        <p:style>
+          <a:lnRef idx="1">
+            <a:schemeClr val="accent2"/>
+          </a:lnRef>
+          <a:fillRef idx="2">
+            <a:schemeClr val="accent2"/>
+          </a:fillRef>
+          <a:effectRef idx="1">
+            <a:schemeClr val="accent2"/>
+          </a:effectRef>
+          <a:fontRef idx="minor">
+            <a:schemeClr val="dk1"/>
+          </a:fontRef>
+        </p:style>
+        <p:txBody>
+          <a:bodyPr rtlCol="0" anchor="ctr"/>
+          <a:lstStyle/>
+          <a:p>
+            <a:pPr algn="ctr"/>
+            <a:endParaRPr lang="en-US"/>
+          </a:p>
+        </p:txBody>
+      </p:sp>
+      <p:sp>
+        <p:nvSpPr>
+          <p:cNvPr id="82" name="Rectangle 81"/>
+          <p:cNvSpPr/>
+          <p:nvPr/>
+        </p:nvSpPr>
+        <p:spPr>
+          <a:xfrm>
+            <a:off x="3666065" y="1439333"/>
+            <a:ext cx="381000" cy="304800"/>
+          </a:xfrm>
+          <a:prstGeom prst="rect">
+            <a:avLst/>
+          </a:prstGeom>
+        </p:spPr>
+        <p:style>
+          <a:lnRef idx="1">
+            <a:schemeClr val="accent4"/>
+          </a:lnRef>
+          <a:fillRef idx="2">
+            <a:schemeClr val="accent4"/>
+          </a:fillRef>
+          <a:effectRef idx="1">
+            <a:schemeClr val="accent4"/>
+          </a:effectRef>
+          <a:fontRef idx="minor">
+            <a:schemeClr val="dk1"/>
+          </a:fontRef>
+        </p:style>
+        <p:txBody>
+          <a:bodyPr rtlCol="0" anchor="ctr"/>
+          <a:lstStyle/>
+          <a:p>
+            <a:pPr algn="ctr"/>
+            <a:endParaRPr lang="en-US"/>
+          </a:p>
+        </p:txBody>
+      </p:sp>
+      <p:sp>
+        <p:nvSpPr>
+          <p:cNvPr id="83" name="Rectangle 82"/>
+          <p:cNvSpPr/>
+          <p:nvPr/>
+        </p:nvSpPr>
+        <p:spPr>
+          <a:xfrm>
+            <a:off x="4047065" y="1439333"/>
+            <a:ext cx="381000" cy="304800"/>
+          </a:xfrm>
+          <a:prstGeom prst="rect">
+            <a:avLst/>
+          </a:prstGeom>
+        </p:spPr>
+        <p:style>
+          <a:lnRef idx="1">
+            <a:schemeClr val="accent3"/>
+          </a:lnRef>
+          <a:fillRef idx="2">
+            <a:schemeClr val="accent3"/>
+          </a:fillRef>
+          <a:effectRef idx="1">
+            <a:schemeClr val="accent3"/>
+          </a:effectRef>
+          <a:fontRef idx="minor">
+            <a:schemeClr val="dk1"/>
+          </a:fontRef>
+        </p:style>
+        <p:txBody>
+          <a:bodyPr rtlCol="0" anchor="ctr"/>
+          <a:lstStyle/>
+          <a:p>
+            <a:pPr algn="ctr"/>
+            <a:endParaRPr lang="en-US"/>
+          </a:p>
+        </p:txBody>
+      </p:sp>
+      <p:sp>
+        <p:nvSpPr>
+          <p:cNvPr id="84" name="Rectangle 83"/>
+          <p:cNvSpPr/>
+          <p:nvPr/>
+        </p:nvSpPr>
+        <p:spPr>
+          <a:xfrm>
+            <a:off x="4415365" y="1439333"/>
+            <a:ext cx="381000" cy="304800"/>
+          </a:xfrm>
+          <a:prstGeom prst="rect">
+            <a:avLst/>
+          </a:prstGeom>
+        </p:spPr>
+        <p:style>
+          <a:lnRef idx="1">
+            <a:schemeClr val="accent2"/>
+          </a:lnRef>
+          <a:fillRef idx="2">
+            <a:schemeClr val="accent2"/>
+          </a:fillRef>
+          <a:effectRef idx="1">
+            <a:schemeClr val="accent2"/>
+          </a:effectRef>
+          <a:fontRef idx="minor">
+            <a:schemeClr val="dk1"/>
+          </a:fontRef>
+        </p:style>
+        <p:txBody>
+          <a:bodyPr rtlCol="0" anchor="ctr"/>
+          <a:lstStyle/>
+          <a:p>
+            <a:pPr algn="ctr"/>
+            <a:endParaRPr lang="en-US"/>
+          </a:p>
+        </p:txBody>
+      </p:sp>
+      <p:sp>
+        <p:nvSpPr>
+          <p:cNvPr id="85" name="Rectangle 84"/>
+          <p:cNvSpPr/>
+          <p:nvPr/>
+        </p:nvSpPr>
+        <p:spPr>
+          <a:xfrm>
+            <a:off x="4796365" y="1439333"/>
+            <a:ext cx="381000" cy="304800"/>
+          </a:xfrm>
+          <a:prstGeom prst="rect">
+            <a:avLst/>
+          </a:prstGeom>
+        </p:spPr>
+        <p:style>
+          <a:lnRef idx="1">
+            <a:schemeClr val="accent4"/>
+          </a:lnRef>
+          <a:fillRef idx="2">
+            <a:schemeClr val="accent4"/>
+          </a:fillRef>
+          <a:effectRef idx="1">
+            <a:schemeClr val="accent4"/>
+          </a:effectRef>
+          <a:fontRef idx="minor">
+            <a:schemeClr val="dk1"/>
+          </a:fontRef>
+        </p:style>
+        <p:txBody>
+          <a:bodyPr rtlCol="0" anchor="ctr"/>
+          <a:lstStyle/>
+          <a:p>
+            <a:pPr algn="ctr"/>
+            <a:endParaRPr lang="en-US"/>
+          </a:p>
+        </p:txBody>
+      </p:sp>
+      <p:sp>
+        <p:nvSpPr>
+          <p:cNvPr id="86" name="Rectangle 85"/>
+          <p:cNvSpPr/>
+          <p:nvPr/>
+        </p:nvSpPr>
+        <p:spPr>
+          <a:xfrm>
+            <a:off x="5168898" y="1439333"/>
+            <a:ext cx="381000" cy="304800"/>
+          </a:xfrm>
+          <a:prstGeom prst="rect">
+            <a:avLst/>
+          </a:prstGeom>
+        </p:spPr>
+        <p:style>
+          <a:lnRef idx="1">
+            <a:schemeClr val="accent3"/>
+          </a:lnRef>
+          <a:fillRef idx="2">
+            <a:schemeClr val="accent3"/>
+          </a:fillRef>
+          <a:effectRef idx="1">
+            <a:schemeClr val="accent3"/>
+          </a:effectRef>
+          <a:fontRef idx="minor">
+            <a:schemeClr val="dk1"/>
+          </a:fontRef>
+        </p:style>
+        <p:txBody>
+          <a:bodyPr rtlCol="0" anchor="ctr"/>
+          <a:lstStyle/>
+          <a:p>
+            <a:pPr algn="ctr"/>
+            <a:endParaRPr lang="en-US"/>
+          </a:p>
+        </p:txBody>
+      </p:sp>
+      <p:sp>
+        <p:nvSpPr>
+          <p:cNvPr id="87" name="Rectangle 86"/>
+          <p:cNvSpPr/>
+          <p:nvPr/>
+        </p:nvSpPr>
+        <p:spPr>
+          <a:xfrm>
+            <a:off x="5549898" y="1439333"/>
+            <a:ext cx="381000" cy="304800"/>
+          </a:xfrm>
+          <a:prstGeom prst="rect">
+            <a:avLst/>
+          </a:prstGeom>
+        </p:spPr>
+        <p:style>
+          <a:lnRef idx="1">
+            <a:schemeClr val="accent2"/>
+          </a:lnRef>
+          <a:fillRef idx="2">
+            <a:schemeClr val="accent2"/>
+          </a:fillRef>
+          <a:effectRef idx="1">
+            <a:schemeClr val="accent2"/>
+          </a:effectRef>
+          <a:fontRef idx="minor">
+            <a:schemeClr val="dk1"/>
+          </a:fontRef>
+        </p:style>
+        <p:txBody>
+          <a:bodyPr rtlCol="0" anchor="ctr"/>
+          <a:lstStyle/>
+          <a:p>
+            <a:pPr algn="ctr"/>
+            <a:endParaRPr lang="en-US"/>
+          </a:p>
+        </p:txBody>
+      </p:sp>
+      <p:sp>
+        <p:nvSpPr>
+          <p:cNvPr id="88" name="Rectangle 87"/>
+          <p:cNvSpPr/>
+          <p:nvPr/>
+        </p:nvSpPr>
+        <p:spPr>
+          <a:xfrm>
+            <a:off x="5918198" y="1439333"/>
+            <a:ext cx="381000" cy="304800"/>
+          </a:xfrm>
+          <a:prstGeom prst="rect">
+            <a:avLst/>
+          </a:prstGeom>
+        </p:spPr>
+        <p:style>
+          <a:lnRef idx="1">
+            <a:schemeClr val="accent4"/>
+          </a:lnRef>
+          <a:fillRef idx="2">
+            <a:schemeClr val="accent4"/>
+          </a:fillRef>
+          <a:effectRef idx="1">
+            <a:schemeClr val="accent4"/>
+          </a:effectRef>
+          <a:fontRef idx="minor">
+            <a:schemeClr val="dk1"/>
+          </a:fontRef>
+        </p:style>
+        <p:txBody>
+          <a:bodyPr rtlCol="0" anchor="ctr"/>
+          <a:lstStyle/>
+          <a:p>
+            <a:pPr algn="ctr"/>
+            <a:endParaRPr lang="en-US"/>
+          </a:p>
+        </p:txBody>
+      </p:sp>
+      <p:sp>
+        <p:nvSpPr>
+          <p:cNvPr id="89" name="Rectangle 88"/>
+          <p:cNvSpPr/>
+          <p:nvPr/>
+        </p:nvSpPr>
+        <p:spPr>
+          <a:xfrm>
+            <a:off x="6299198" y="1439333"/>
+            <a:ext cx="381000" cy="304800"/>
+          </a:xfrm>
+          <a:prstGeom prst="rect">
+            <a:avLst/>
+          </a:prstGeom>
+        </p:spPr>
+        <p:style>
+          <a:lnRef idx="1">
+            <a:schemeClr val="accent3"/>
+          </a:lnRef>
+          <a:fillRef idx="2">
+            <a:schemeClr val="accent3"/>
+          </a:fillRef>
+          <a:effectRef idx="1">
+            <a:schemeClr val="accent3"/>
+          </a:effectRef>
+          <a:fontRef idx="minor">
+            <a:schemeClr val="dk1"/>
+          </a:fontRef>
+        </p:style>
+        <p:txBody>
+          <a:bodyPr rtlCol="0" anchor="ctr"/>
+          <a:lstStyle/>
+          <a:p>
+            <a:pPr algn="ctr"/>
+            <a:endParaRPr lang="en-US"/>
+          </a:p>
+        </p:txBody>
+      </p:sp>
+      <p:sp>
+        <p:nvSpPr>
+          <p:cNvPr id="168" name="TextBox 167"/>
+          <p:cNvSpPr txBox="1"/>
+          <p:nvPr/>
+        </p:nvSpPr>
+        <p:spPr>
+          <a:xfrm>
+            <a:off x="2990850" y="1143000"/>
+            <a:ext cx="2459566" cy="369332"/>
+          </a:xfrm>
+          <a:prstGeom prst="rect">
+            <a:avLst/>
+          </a:prstGeom>
+          <a:noFill/>
+        </p:spPr>
+        <p:txBody>
+          <a:bodyPr wrap="square" rtlCol="0">
+            <a:spAutoFit/>
+          </a:bodyPr>
+          <a:lstStyle/>
+          <a:p>
+            <a:r>
+              <a:rPr lang="en-US" dirty="0" smtClean="0"/>
+              <a:t>column major layout</a:t>
+            </a:r>
+            <a:endParaRPr lang="en-US" dirty="0"/>
+          </a:p>
+        </p:txBody>
+      </p:sp>
+      <p:sp>
+        <p:nvSpPr>
+          <p:cNvPr id="169" name="TextBox 168"/>
+          <p:cNvSpPr txBox="1"/>
+          <p:nvPr/>
+        </p:nvSpPr>
+        <p:spPr>
+          <a:xfrm>
+            <a:off x="3056468" y="482600"/>
+            <a:ext cx="2459566" cy="369332"/>
+          </a:xfrm>
+          <a:prstGeom prst="rect">
+            <a:avLst/>
+          </a:prstGeom>
+          <a:noFill/>
+        </p:spPr>
+        <p:txBody>
+          <a:bodyPr wrap="square" rtlCol="0">
+            <a:spAutoFit/>
+          </a:bodyPr>
+          <a:lstStyle/>
+          <a:p>
+            <a:r>
+              <a:rPr lang="en-US" dirty="0" smtClean="0"/>
+              <a:t>row major layout</a:t>
+            </a:r>
+            <a:endParaRPr lang="en-US" dirty="0"/>
+          </a:p>
+        </p:txBody>
+      </p:sp>
+    </p:spTree>
+    <p:extLst>
+      <p:ext uri="{BB962C8B-B14F-4D97-AF65-F5344CB8AC3E}">
+        <p14:creationId xmlns:p14="http://schemas.microsoft.com/office/powerpoint/2010/main" val="746860787"/>
+      </p:ext>
+    </p:extLst>
+  </p:cSld>
+  <p:clrMapOvr>
+    <a:masterClrMapping/>
+  </p:clrMapOvr>
+</p:sld>
+</file>
+
+<file path=ppt/slides/slide5.xml><?xml version="1.0" encoding="utf-8"?>
+<p:sld xmlns:a="http://schemas.openxmlformats.org/drawingml/2006/main" xmlns:r="http://schemas.openxmlformats.org/officeDocument/2006/relationships" xmlns:p="http://schemas.openxmlformats.org/presentationml/2006/main">
+  <p:cSld>
+    <p:spTree>
+      <p:nvGrpSpPr>
+        <p:cNvPr id="1" name=""/>
+        <p:cNvGrpSpPr/>
+        <p:nvPr/>
+      </p:nvGrpSpPr>
+      <p:grpSpPr>
+        <a:xfrm>
+          <a:off x="0" y="0"/>
+          <a:ext cx="0" cy="0"/>
+          <a:chOff x="0" y="0"/>
+          <a:chExt cx="0" cy="0"/>
+        </a:xfrm>
+      </p:grpSpPr>
+      <p:sp>
+        <p:nvSpPr>
+          <p:cNvPr id="4" name="Rectangle 3"/>
+          <p:cNvSpPr/>
+          <p:nvPr/>
+        </p:nvSpPr>
+        <p:spPr>
+          <a:xfrm>
+            <a:off x="1231392" y="2286000"/>
+            <a:ext cx="914400" cy="762000"/>
+          </a:xfrm>
+          <a:prstGeom prst="rect">
+            <a:avLst/>
+          </a:prstGeom>
+        </p:spPr>
+        <p:style>
+          <a:lnRef idx="1">
+            <a:schemeClr val="dk1"/>
+          </a:lnRef>
+          <a:fillRef idx="2">
+            <a:schemeClr val="dk1"/>
+          </a:fillRef>
+          <a:effectRef idx="1">
+            <a:schemeClr val="dk1"/>
+          </a:effectRef>
+          <a:fontRef idx="minor">
+            <a:schemeClr val="dk1"/>
+          </a:fontRef>
+        </p:style>
+        <p:txBody>
+          <a:bodyPr rtlCol="0" anchor="ctr"/>
+          <a:lstStyle/>
+          <a:p>
+            <a:pPr algn="ctr"/>
+            <a:endParaRPr lang="en-US"/>
+          </a:p>
+        </p:txBody>
+      </p:sp>
+      <p:sp>
+        <p:nvSpPr>
+          <p:cNvPr id="5" name="Rectangle 4"/>
+          <p:cNvSpPr/>
+          <p:nvPr/>
+        </p:nvSpPr>
+        <p:spPr>
+          <a:xfrm>
+            <a:off x="2145792" y="2286000"/>
+            <a:ext cx="914400" cy="762000"/>
+          </a:xfrm>
+          <a:prstGeom prst="rect">
+            <a:avLst/>
+          </a:prstGeom>
+        </p:spPr>
+        <p:style>
+          <a:lnRef idx="1">
+            <a:schemeClr val="dk1"/>
+          </a:lnRef>
+          <a:fillRef idx="2">
+            <a:schemeClr val="dk1"/>
+          </a:fillRef>
+          <a:effectRef idx="1">
+            <a:schemeClr val="dk1"/>
+          </a:effectRef>
+          <a:fontRef idx="minor">
+            <a:schemeClr val="dk1"/>
+          </a:fontRef>
+        </p:style>
+        <p:txBody>
+          <a:bodyPr rtlCol="0" anchor="ctr"/>
+          <a:lstStyle/>
+          <a:p>
+            <a:pPr algn="ctr"/>
+            <a:endParaRPr lang="en-US"/>
+          </a:p>
+        </p:txBody>
+      </p:sp>
+      <p:sp>
+        <p:nvSpPr>
+          <p:cNvPr id="6" name="Rectangle 5"/>
+          <p:cNvSpPr/>
+          <p:nvPr/>
+        </p:nvSpPr>
+        <p:spPr>
+          <a:xfrm>
+            <a:off x="1231392" y="3048000"/>
+            <a:ext cx="914400" cy="762000"/>
+          </a:xfrm>
+          <a:prstGeom prst="rect">
+            <a:avLst/>
+          </a:prstGeom>
+        </p:spPr>
+        <p:style>
+          <a:lnRef idx="1">
+            <a:schemeClr val="dk1"/>
+          </a:lnRef>
+          <a:fillRef idx="2">
+            <a:schemeClr val="dk1"/>
+          </a:fillRef>
+          <a:effectRef idx="1">
+            <a:schemeClr val="dk1"/>
+          </a:effectRef>
+          <a:fontRef idx="minor">
+            <a:schemeClr val="dk1"/>
+          </a:fontRef>
+        </p:style>
+        <p:txBody>
+          <a:bodyPr rtlCol="0" anchor="ctr"/>
+          <a:lstStyle/>
+          <a:p>
+            <a:pPr algn="ctr"/>
+            <a:endParaRPr lang="en-US"/>
+          </a:p>
+        </p:txBody>
+      </p:sp>
+      <p:sp>
+        <p:nvSpPr>
+          <p:cNvPr id="7" name="Rectangle 6"/>
+          <p:cNvSpPr/>
+          <p:nvPr/>
+        </p:nvSpPr>
+        <p:spPr>
+          <a:xfrm>
+            <a:off x="2145792" y="3048000"/>
+            <a:ext cx="914400" cy="762000"/>
+          </a:xfrm>
+          <a:prstGeom prst="rect">
+            <a:avLst/>
+          </a:prstGeom>
+        </p:spPr>
+        <p:style>
+          <a:lnRef idx="1">
+            <a:schemeClr val="accent2"/>
+          </a:lnRef>
+          <a:fillRef idx="2">
+            <a:schemeClr val="accent2"/>
+          </a:fillRef>
+          <a:effectRef idx="1">
+            <a:schemeClr val="accent2"/>
+          </a:effectRef>
+          <a:fontRef idx="minor">
+            <a:schemeClr val="dk1"/>
+          </a:fontRef>
+        </p:style>
+        <p:txBody>
+          <a:bodyPr rtlCol="0" anchor="ctr"/>
+          <a:lstStyle/>
+          <a:p>
+            <a:pPr algn="ctr"/>
+            <a:endParaRPr lang="en-US"/>
+          </a:p>
+        </p:txBody>
+      </p:sp>
+      <p:sp>
+        <p:nvSpPr>
+          <p:cNvPr id="8" name="Rectangle 7"/>
+          <p:cNvSpPr/>
+          <p:nvPr/>
+        </p:nvSpPr>
+        <p:spPr>
+          <a:xfrm>
+            <a:off x="3810000" y="1143000"/>
+            <a:ext cx="914400" cy="762000"/>
+          </a:xfrm>
+          <a:prstGeom prst="rect">
+            <a:avLst/>
+          </a:prstGeom>
+        </p:spPr>
+        <p:style>
+          <a:lnRef idx="1">
+            <a:schemeClr val="dk1"/>
+          </a:lnRef>
+          <a:fillRef idx="2">
+            <a:schemeClr val="dk1"/>
+          </a:fillRef>
+          <a:effectRef idx="1">
+            <a:schemeClr val="dk1"/>
+          </a:effectRef>
+          <a:fontRef idx="minor">
+            <a:schemeClr val="dk1"/>
+          </a:fontRef>
+        </p:style>
+        <p:txBody>
+          <a:bodyPr rtlCol="0" anchor="ctr"/>
+          <a:lstStyle/>
+          <a:p>
+            <a:pPr algn="ctr"/>
+            <a:endParaRPr lang="en-US"/>
+          </a:p>
+        </p:txBody>
+      </p:sp>
+      <p:sp>
+        <p:nvSpPr>
+          <p:cNvPr id="9" name="Rectangle 8"/>
+          <p:cNvSpPr/>
+          <p:nvPr/>
+        </p:nvSpPr>
+        <p:spPr>
+          <a:xfrm>
+            <a:off x="4724400" y="1143000"/>
+            <a:ext cx="914400" cy="762000"/>
+          </a:xfrm>
+          <a:prstGeom prst="rect">
+            <a:avLst/>
+          </a:prstGeom>
+        </p:spPr>
+        <p:style>
+          <a:lnRef idx="1">
+            <a:schemeClr val="dk1"/>
+          </a:lnRef>
+          <a:fillRef idx="2">
+            <a:schemeClr val="dk1"/>
+          </a:fillRef>
+          <a:effectRef idx="1">
+            <a:schemeClr val="dk1"/>
+          </a:effectRef>
+          <a:fontRef idx="minor">
+            <a:schemeClr val="dk1"/>
+          </a:fontRef>
+        </p:style>
+        <p:txBody>
+          <a:bodyPr rtlCol="0" anchor="ctr"/>
+          <a:lstStyle/>
+          <a:p>
+            <a:pPr algn="ctr"/>
+            <a:endParaRPr lang="en-US"/>
+          </a:p>
+        </p:txBody>
+      </p:sp>
+      <p:sp>
+        <p:nvSpPr>
+          <p:cNvPr id="10" name="Rectangle 9"/>
+          <p:cNvSpPr/>
+          <p:nvPr/>
+        </p:nvSpPr>
+        <p:spPr>
+          <a:xfrm>
+            <a:off x="5638800" y="1143000"/>
+            <a:ext cx="914400" cy="762000"/>
+          </a:xfrm>
+          <a:prstGeom prst="rect">
+            <a:avLst/>
+          </a:prstGeom>
+        </p:spPr>
+        <p:style>
+          <a:lnRef idx="1">
+            <a:schemeClr val="dk1"/>
+          </a:lnRef>
+          <a:fillRef idx="2">
+            <a:schemeClr val="dk1"/>
+          </a:fillRef>
+          <a:effectRef idx="1">
+            <a:schemeClr val="dk1"/>
+          </a:effectRef>
+          <a:fontRef idx="minor">
+            <a:schemeClr val="dk1"/>
+          </a:fontRef>
+        </p:style>
+        <p:txBody>
+          <a:bodyPr rtlCol="0" anchor="ctr"/>
+          <a:lstStyle/>
+          <a:p>
+            <a:pPr algn="ctr"/>
+            <a:endParaRPr lang="en-US"/>
+          </a:p>
+        </p:txBody>
+      </p:sp>
+      <p:sp>
+        <p:nvSpPr>
+          <p:cNvPr id="11" name="Rectangle 10"/>
+          <p:cNvSpPr/>
+          <p:nvPr/>
+        </p:nvSpPr>
+        <p:spPr>
+          <a:xfrm>
+            <a:off x="3810000" y="1905000"/>
+            <a:ext cx="914400" cy="762000"/>
+          </a:xfrm>
+          <a:prstGeom prst="rect">
+            <a:avLst/>
+          </a:prstGeom>
+        </p:spPr>
+        <p:style>
+          <a:lnRef idx="1">
+            <a:schemeClr val="accent2"/>
+          </a:lnRef>
+          <a:fillRef idx="2">
+            <a:schemeClr val="accent2"/>
+          </a:fillRef>
+          <a:effectRef idx="1">
+            <a:schemeClr val="accent2"/>
+          </a:effectRef>
+          <a:fontRef idx="minor">
+            <a:schemeClr val="dk1"/>
+          </a:fontRef>
+        </p:style>
+        <p:txBody>
+          <a:bodyPr rtlCol="0" anchor="ctr"/>
+          <a:lstStyle/>
+          <a:p>
+            <a:pPr algn="ctr"/>
+            <a:endParaRPr lang="en-US"/>
+          </a:p>
+        </p:txBody>
+      </p:sp>
+      <p:sp>
+        <p:nvSpPr>
+          <p:cNvPr id="12" name="Rectangle 11"/>
+          <p:cNvSpPr/>
+          <p:nvPr/>
+        </p:nvSpPr>
+        <p:spPr>
+          <a:xfrm>
+            <a:off x="4724400" y="1905000"/>
+            <a:ext cx="914400" cy="762000"/>
+          </a:xfrm>
+          <a:prstGeom prst="rect">
+            <a:avLst/>
+          </a:prstGeom>
+        </p:spPr>
+        <p:style>
+          <a:lnRef idx="1">
+            <a:schemeClr val="accent2"/>
+          </a:lnRef>
+          <a:fillRef idx="2">
+            <a:schemeClr val="accent2"/>
+          </a:fillRef>
+          <a:effectRef idx="1">
+            <a:schemeClr val="accent2"/>
+          </a:effectRef>
+          <a:fontRef idx="minor">
+            <a:schemeClr val="dk1"/>
+          </a:fontRef>
+        </p:style>
+        <p:txBody>
+          <a:bodyPr rtlCol="0" anchor="ctr"/>
+          <a:lstStyle/>
+          <a:p>
+            <a:pPr algn="ctr"/>
+            <a:endParaRPr lang="en-US"/>
+          </a:p>
+        </p:txBody>
+      </p:sp>
+      <p:sp>
+        <p:nvSpPr>
+          <p:cNvPr id="13" name="Rectangle 12"/>
+          <p:cNvSpPr/>
+          <p:nvPr/>
+        </p:nvSpPr>
+        <p:spPr>
+          <a:xfrm>
+            <a:off x="5638800" y="1905000"/>
+            <a:ext cx="914400" cy="762000"/>
+          </a:xfrm>
+          <a:prstGeom prst="rect">
+            <a:avLst/>
+          </a:prstGeom>
+        </p:spPr>
+        <p:style>
+          <a:lnRef idx="1">
+            <a:schemeClr val="accent2"/>
+          </a:lnRef>
+          <a:fillRef idx="2">
+            <a:schemeClr val="accent2"/>
+          </a:fillRef>
+          <a:effectRef idx="1">
+            <a:schemeClr val="accent2"/>
+          </a:effectRef>
+          <a:fontRef idx="minor">
+            <a:schemeClr val="dk1"/>
+          </a:fontRef>
+        </p:style>
+        <p:txBody>
+          <a:bodyPr rtlCol="0" anchor="ctr"/>
+          <a:lstStyle/>
+          <a:p>
+            <a:pPr algn="ctr"/>
+            <a:endParaRPr lang="en-US"/>
+          </a:p>
+        </p:txBody>
+      </p:sp>
+      <p:sp>
+        <p:nvSpPr>
+          <p:cNvPr id="14" name="Rectangle 13"/>
+          <p:cNvSpPr/>
+          <p:nvPr/>
+        </p:nvSpPr>
+        <p:spPr>
+          <a:xfrm>
+            <a:off x="7086600" y="2086618"/>
+            <a:ext cx="914400" cy="762000"/>
+          </a:xfrm>
+          <a:prstGeom prst="rect">
+            <a:avLst/>
+          </a:prstGeom>
+        </p:spPr>
+        <p:style>
+          <a:lnRef idx="1">
+            <a:schemeClr val="dk1"/>
+          </a:lnRef>
+          <a:fillRef idx="2">
+            <a:schemeClr val="dk1"/>
+          </a:fillRef>
+          <a:effectRef idx="1">
+            <a:schemeClr val="dk1"/>
+          </a:effectRef>
+          <a:fontRef idx="minor">
+            <a:schemeClr val="dk1"/>
+          </a:fontRef>
+        </p:style>
+        <p:txBody>
+          <a:bodyPr rtlCol="0" anchor="ctr"/>
+          <a:lstStyle/>
+          <a:p>
+            <a:pPr algn="ctr"/>
+            <a:endParaRPr lang="en-US"/>
+          </a:p>
+        </p:txBody>
+      </p:sp>
+      <p:sp>
+        <p:nvSpPr>
+          <p:cNvPr id="15" name="Rectangle 14"/>
+          <p:cNvSpPr/>
+          <p:nvPr/>
+        </p:nvSpPr>
+        <p:spPr>
+          <a:xfrm>
+            <a:off x="8001000" y="2086618"/>
+            <a:ext cx="914400" cy="762000"/>
+          </a:xfrm>
+          <a:prstGeom prst="rect">
+            <a:avLst/>
+          </a:prstGeom>
+        </p:spPr>
+        <p:style>
+          <a:lnRef idx="1">
+            <a:schemeClr val="accent2"/>
+          </a:lnRef>
+          <a:fillRef idx="2">
+            <a:schemeClr val="accent2"/>
+          </a:fillRef>
+          <a:effectRef idx="1">
+            <a:schemeClr val="accent2"/>
+          </a:effectRef>
+          <a:fontRef idx="minor">
+            <a:schemeClr val="dk1"/>
+          </a:fontRef>
+        </p:style>
+        <p:txBody>
+          <a:bodyPr rtlCol="0" anchor="ctr"/>
+          <a:lstStyle/>
+          <a:p>
+            <a:pPr algn="ctr"/>
+            <a:endParaRPr lang="en-US"/>
+          </a:p>
+        </p:txBody>
+      </p:sp>
+      <p:sp>
+        <p:nvSpPr>
+          <p:cNvPr id="16" name="Rectangle 15"/>
+          <p:cNvSpPr/>
+          <p:nvPr/>
+        </p:nvSpPr>
+        <p:spPr>
+          <a:xfrm>
+            <a:off x="7086600" y="2848618"/>
+            <a:ext cx="914400" cy="762000"/>
+          </a:xfrm>
+          <a:prstGeom prst="rect">
+            <a:avLst/>
+          </a:prstGeom>
+        </p:spPr>
+        <p:style>
+          <a:lnRef idx="1">
+            <a:schemeClr val="dk1"/>
+          </a:lnRef>
+          <a:fillRef idx="2">
+            <a:schemeClr val="dk1"/>
+          </a:fillRef>
+          <a:effectRef idx="1">
+            <a:schemeClr val="dk1"/>
+          </a:effectRef>
+          <a:fontRef idx="minor">
+            <a:schemeClr val="dk1"/>
+          </a:fontRef>
+        </p:style>
+        <p:txBody>
+          <a:bodyPr rtlCol="0" anchor="ctr"/>
+          <a:lstStyle/>
+          <a:p>
+            <a:pPr algn="ctr"/>
+            <a:endParaRPr lang="en-US"/>
+          </a:p>
+        </p:txBody>
+      </p:sp>
+      <p:sp>
+        <p:nvSpPr>
+          <p:cNvPr id="17" name="Rectangle 16"/>
+          <p:cNvSpPr/>
+          <p:nvPr/>
+        </p:nvSpPr>
+        <p:spPr>
+          <a:xfrm>
+            <a:off x="8001000" y="2848618"/>
+            <a:ext cx="914400" cy="762000"/>
+          </a:xfrm>
+          <a:prstGeom prst="rect">
+            <a:avLst/>
+          </a:prstGeom>
+        </p:spPr>
+        <p:style>
+          <a:lnRef idx="1">
+            <a:schemeClr val="accent2"/>
+          </a:lnRef>
+          <a:fillRef idx="2">
+            <a:schemeClr val="accent2"/>
+          </a:fillRef>
+          <a:effectRef idx="1">
+            <a:schemeClr val="accent2"/>
+          </a:effectRef>
+          <a:fontRef idx="minor">
+            <a:schemeClr val="dk1"/>
+          </a:fontRef>
+        </p:style>
+        <p:txBody>
+          <a:bodyPr rtlCol="0" anchor="ctr"/>
+          <a:lstStyle/>
+          <a:p>
+            <a:pPr algn="ctr"/>
+            <a:endParaRPr lang="en-US"/>
+          </a:p>
+        </p:txBody>
+      </p:sp>
+      <p:sp>
+        <p:nvSpPr>
+          <p:cNvPr id="18" name="Rectangle 17"/>
+          <p:cNvSpPr/>
+          <p:nvPr/>
+        </p:nvSpPr>
+        <p:spPr>
+          <a:xfrm>
+            <a:off x="7086600" y="3610618"/>
+            <a:ext cx="914400" cy="762000"/>
+          </a:xfrm>
+          <a:prstGeom prst="rect">
+            <a:avLst/>
+          </a:prstGeom>
+        </p:spPr>
+        <p:style>
+          <a:lnRef idx="1">
+            <a:schemeClr val="dk1"/>
+          </a:lnRef>
+          <a:fillRef idx="2">
+            <a:schemeClr val="dk1"/>
+          </a:fillRef>
+          <a:effectRef idx="1">
+            <a:schemeClr val="dk1"/>
+          </a:effectRef>
+          <a:fontRef idx="minor">
+            <a:schemeClr val="dk1"/>
+          </a:fontRef>
+        </p:style>
+        <p:txBody>
+          <a:bodyPr rtlCol="0" anchor="ctr"/>
+          <a:lstStyle/>
+          <a:p>
+            <a:pPr algn="ctr"/>
+            <a:endParaRPr lang="en-US"/>
+          </a:p>
+        </p:txBody>
+      </p:sp>
+      <p:sp>
+        <p:nvSpPr>
+          <p:cNvPr id="19" name="Rectangle 18"/>
+          <p:cNvSpPr/>
+          <p:nvPr/>
+        </p:nvSpPr>
+        <p:spPr>
+          <a:xfrm>
+            <a:off x="8001000" y="3610618"/>
+            <a:ext cx="914400" cy="762000"/>
+          </a:xfrm>
+          <a:prstGeom prst="rect">
+            <a:avLst/>
+          </a:prstGeom>
+        </p:spPr>
+        <p:style>
+          <a:lnRef idx="1">
+            <a:schemeClr val="accent2"/>
+          </a:lnRef>
+          <a:fillRef idx="2">
+            <a:schemeClr val="accent2"/>
+          </a:fillRef>
+          <a:effectRef idx="1">
+            <a:schemeClr val="accent2"/>
+          </a:effectRef>
+          <a:fontRef idx="minor">
+            <a:schemeClr val="dk1"/>
+          </a:fontRef>
+        </p:style>
+        <p:txBody>
+          <a:bodyPr rtlCol="0" anchor="ctr"/>
+          <a:lstStyle/>
+          <a:p>
+            <a:pPr algn="ctr"/>
+            <a:endParaRPr lang="en-US"/>
+          </a:p>
+        </p:txBody>
+      </p:sp>
+      <p:sp>
+        <p:nvSpPr>
+          <p:cNvPr id="20" name="Rectangle 19"/>
+          <p:cNvSpPr/>
+          <p:nvPr/>
+        </p:nvSpPr>
+        <p:spPr>
+          <a:xfrm>
+            <a:off x="4191000" y="2971800"/>
+            <a:ext cx="914400" cy="762000"/>
+          </a:xfrm>
+          <a:prstGeom prst="rect">
+            <a:avLst/>
+          </a:prstGeom>
+        </p:spPr>
+        <p:style>
+          <a:lnRef idx="1">
+            <a:schemeClr val="dk1"/>
+          </a:lnRef>
+          <a:fillRef idx="2">
+            <a:schemeClr val="dk1"/>
+          </a:fillRef>
+          <a:effectRef idx="1">
+            <a:schemeClr val="dk1"/>
+          </a:effectRef>
+          <a:fontRef idx="minor">
+            <a:schemeClr val="dk1"/>
+          </a:fontRef>
+        </p:style>
+        <p:txBody>
+          <a:bodyPr rtlCol="0" anchor="ctr"/>
+          <a:lstStyle/>
+          <a:p>
+            <a:pPr algn="ctr"/>
+            <a:endParaRPr lang="en-US"/>
+          </a:p>
+        </p:txBody>
+      </p:sp>
+      <p:sp>
+        <p:nvSpPr>
+          <p:cNvPr id="21" name="Rectangle 20"/>
+          <p:cNvSpPr/>
+          <p:nvPr/>
+        </p:nvSpPr>
+        <p:spPr>
+          <a:xfrm>
+            <a:off x="5105400" y="2971800"/>
+            <a:ext cx="914400" cy="762000"/>
+          </a:xfrm>
+          <a:prstGeom prst="rect">
+            <a:avLst/>
+          </a:prstGeom>
+        </p:spPr>
+        <p:style>
+          <a:lnRef idx="1">
+            <a:schemeClr val="accent2"/>
+          </a:lnRef>
+          <a:fillRef idx="2">
+            <a:schemeClr val="accent2"/>
+          </a:fillRef>
+          <a:effectRef idx="1">
+            <a:schemeClr val="accent2"/>
+          </a:effectRef>
+          <a:fontRef idx="minor">
+            <a:schemeClr val="dk1"/>
+          </a:fontRef>
+        </p:style>
+        <p:txBody>
+          <a:bodyPr rtlCol="0" anchor="ctr"/>
+          <a:lstStyle/>
+          <a:p>
+            <a:pPr algn="ctr"/>
+            <a:endParaRPr lang="en-US"/>
+          </a:p>
+        </p:txBody>
+      </p:sp>
+      <p:sp>
+        <p:nvSpPr>
+          <p:cNvPr id="22" name="Rectangle 21"/>
+          <p:cNvSpPr/>
+          <p:nvPr/>
+        </p:nvSpPr>
+        <p:spPr>
+          <a:xfrm>
+            <a:off x="4191000" y="3733800"/>
+            <a:ext cx="914400" cy="762000"/>
+          </a:xfrm>
+          <a:prstGeom prst="rect">
+            <a:avLst/>
+          </a:prstGeom>
+        </p:spPr>
+        <p:style>
+          <a:lnRef idx="1">
+            <a:schemeClr val="dk1"/>
+          </a:lnRef>
+          <a:fillRef idx="2">
+            <a:schemeClr val="dk1"/>
+          </a:fillRef>
+          <a:effectRef idx="1">
+            <a:schemeClr val="dk1"/>
+          </a:effectRef>
+          <a:fontRef idx="minor">
+            <a:schemeClr val="dk1"/>
+          </a:fontRef>
+        </p:style>
+        <p:txBody>
+          <a:bodyPr rtlCol="0" anchor="ctr"/>
+          <a:lstStyle/>
+          <a:p>
+            <a:pPr algn="ctr"/>
+            <a:endParaRPr lang="en-US"/>
+          </a:p>
+        </p:txBody>
+      </p:sp>
+      <p:sp>
+        <p:nvSpPr>
+          <p:cNvPr id="23" name="Rectangle 22"/>
+          <p:cNvSpPr/>
+          <p:nvPr/>
+        </p:nvSpPr>
+        <p:spPr>
+          <a:xfrm>
+            <a:off x="5105400" y="3733800"/>
+            <a:ext cx="914400" cy="762000"/>
+          </a:xfrm>
+          <a:prstGeom prst="rect">
+            <a:avLst/>
+          </a:prstGeom>
+        </p:spPr>
+        <p:style>
+          <a:lnRef idx="1">
+            <a:schemeClr val="accent2"/>
+          </a:lnRef>
+          <a:fillRef idx="2">
+            <a:schemeClr val="accent2"/>
+          </a:fillRef>
+          <a:effectRef idx="1">
+            <a:schemeClr val="accent2"/>
+          </a:effectRef>
+          <a:fontRef idx="minor">
+            <a:schemeClr val="dk1"/>
+          </a:fontRef>
+        </p:style>
+        <p:txBody>
+          <a:bodyPr rtlCol="0" anchor="ctr"/>
+          <a:lstStyle/>
+          <a:p>
+            <a:pPr algn="ctr"/>
+            <a:endParaRPr lang="en-US"/>
+          </a:p>
+        </p:txBody>
+      </p:sp>
+      <p:sp>
+        <p:nvSpPr>
+          <p:cNvPr id="24" name="Rectangle 23"/>
+          <p:cNvSpPr/>
+          <p:nvPr/>
+        </p:nvSpPr>
+        <p:spPr>
+          <a:xfrm>
+            <a:off x="4191000" y="4495800"/>
+            <a:ext cx="914400" cy="762000"/>
+          </a:xfrm>
+          <a:prstGeom prst="rect">
+            <a:avLst/>
+          </a:prstGeom>
+        </p:spPr>
+        <p:style>
+          <a:lnRef idx="1">
+            <a:schemeClr val="dk1"/>
+          </a:lnRef>
+          <a:fillRef idx="2">
+            <a:schemeClr val="dk1"/>
+          </a:fillRef>
+          <a:effectRef idx="1">
+            <a:schemeClr val="dk1"/>
+          </a:effectRef>
+          <a:fontRef idx="minor">
+            <a:schemeClr val="dk1"/>
+          </a:fontRef>
+        </p:style>
+        <p:txBody>
+          <a:bodyPr rtlCol="0" anchor="ctr"/>
+          <a:lstStyle/>
+          <a:p>
+            <a:pPr algn="ctr"/>
+            <a:endParaRPr lang="en-US"/>
+          </a:p>
+        </p:txBody>
+      </p:sp>
+      <p:sp>
+        <p:nvSpPr>
+          <p:cNvPr id="25" name="Rectangle 24"/>
+          <p:cNvSpPr/>
+          <p:nvPr/>
+        </p:nvSpPr>
+        <p:spPr>
+          <a:xfrm>
+            <a:off x="5105400" y="4495800"/>
+            <a:ext cx="914400" cy="762000"/>
+          </a:xfrm>
+          <a:prstGeom prst="rect">
+            <a:avLst/>
+          </a:prstGeom>
+        </p:spPr>
+        <p:style>
+          <a:lnRef idx="1">
+            <a:schemeClr val="accent2"/>
+          </a:lnRef>
+          <a:fillRef idx="2">
+            <a:schemeClr val="accent2"/>
+          </a:fillRef>
+          <a:effectRef idx="1">
+            <a:schemeClr val="accent2"/>
+          </a:effectRef>
+          <a:fontRef idx="minor">
+            <a:schemeClr val="dk1"/>
+          </a:fontRef>
+        </p:style>
+        <p:txBody>
+          <a:bodyPr rtlCol="0" anchor="ctr"/>
+          <a:lstStyle/>
+          <a:p>
+            <a:pPr algn="ctr"/>
+            <a:endParaRPr lang="en-US"/>
+          </a:p>
+        </p:txBody>
+      </p:sp>
+      <mc:AlternateContent xmlns:mc="http://schemas.openxmlformats.org/markup-compatibility/2006">
+        <mc:Choice xmlns:a14="http://schemas.microsoft.com/office/drawing/2010/main" Requires="a14">
+          <p:sp>
+            <p:nvSpPr>
+              <p:cNvPr id="2" name="TextBox 1"/>
+              <p:cNvSpPr txBox="1"/>
+              <p:nvPr/>
+            </p:nvSpPr>
+            <p:spPr>
+              <a:xfrm>
+                <a:off x="914400" y="3930134"/>
+                <a:ext cx="2133600" cy="477054"/>
+              </a:xfrm>
+              <a:prstGeom prst="rect">
+                <a:avLst/>
+              </a:prstGeom>
+              <a:noFill/>
+            </p:spPr>
+            <p:txBody>
+              <a:bodyPr wrap="square" rtlCol="0">
+                <a:spAutoFit/>
+              </a:bodyPr>
+              <a:lstStyle/>
+              <a:p>
+                <a14:m>
+                  <m:oMathPara xmlns:m="http://schemas.openxmlformats.org/officeDocument/2006/math">
+                    <m:oMathParaPr>
+                      <m:jc m:val="centerGroup"/>
+                    </m:oMathParaPr>
+                    <m:oMath xmlns:m="http://schemas.openxmlformats.org/officeDocument/2006/math">
+                      <m:r>
+                        <a:rPr lang="en-US" sz="2500" b="0" i="1" smtClean="0">
+                          <a:latin typeface="Cambria Math"/>
+                        </a:rPr>
+                        <m:t>𝐶</m:t>
+                      </m:r>
+                      <m:r>
+                        <a:rPr lang="en-US" sz="2500" b="0" i="1" smtClean="0">
+                          <a:latin typeface="Cambria Math"/>
+                        </a:rPr>
+                        <m:t>=</m:t>
+                      </m:r>
+                      <m:sSup>
+                        <m:sSupPr>
+                          <m:ctrlPr>
+                            <a:rPr lang="en-US" sz="2500" b="0" i="1" smtClean="0">
+                              <a:latin typeface="Cambria Math"/>
+                            </a:rPr>
+                          </m:ctrlPr>
+                        </m:sSupPr>
+                        <m:e>
+                          <m:r>
+                            <a:rPr lang="en-US" sz="2500" b="0" i="1" smtClean="0">
+                              <a:latin typeface="Cambria Math"/>
+                            </a:rPr>
+                            <m:t>𝐴</m:t>
+                          </m:r>
+                        </m:e>
+                        <m:sup>
+                          <m:r>
+                            <a:rPr lang="en-US" sz="2500" b="0" i="1" smtClean="0">
+                              <a:latin typeface="Cambria Math"/>
+                            </a:rPr>
+                            <m:t>𝑇</m:t>
+                          </m:r>
+                        </m:sup>
+                      </m:sSup>
+                      <m:r>
+                        <a:rPr lang="en-US" sz="2500" b="0" i="1" smtClean="0">
+                          <a:latin typeface="Cambria Math"/>
+                        </a:rPr>
+                        <m:t>⋅</m:t>
+                      </m:r>
+                      <m:r>
+                        <a:rPr lang="en-US" sz="2500" b="0" i="1" smtClean="0">
+                          <a:latin typeface="Cambria Math"/>
+                        </a:rPr>
+                        <m:t>𝐵</m:t>
+                      </m:r>
+                    </m:oMath>
+                  </m:oMathPara>
+                </a14:m>
+                <a:endParaRPr lang="en-US" sz="2500" dirty="0"/>
+              </a:p>
+            </p:txBody>
+          </p:sp>
+        </mc:Choice>
+        <mc:Fallback>
+          <p:sp>
+            <p:nvSpPr>
+              <p:cNvPr id="2" name="TextBox 1"/>
+              <p:cNvSpPr txBox="1">
+                <a:spLocks noRot="1" noChangeAspect="1" noMove="1" noResize="1" noEditPoints="1" noAdjustHandles="1" noChangeArrowheads="1" noChangeShapeType="1" noTextEdit="1"/>
+              </p:cNvSpPr>
+              <p:nvPr/>
+            </p:nvSpPr>
+            <p:spPr>
+              <a:xfrm>
+                <a:off x="914400" y="3930134"/>
+                <a:ext cx="2133600" cy="477054"/>
+              </a:xfrm>
+              <a:prstGeom prst="rect">
+                <a:avLst/>
+              </a:prstGeom>
+              <a:blipFill rotWithShape="1">
+                <a:blip r:embed="rId2"/>
+                <a:stretch>
+                  <a:fillRect/>
+                </a:stretch>
+              </a:blipFill>
+            </p:spPr>
+            <p:txBody>
+              <a:bodyPr/>
+              <a:lstStyle/>
+              <a:p>
+                <a:r>
+                  <a:rPr lang="en-US">
+                    <a:noFill/>
+                  </a:rPr>
+                  <a:t> </a:t>
+                </a:r>
+              </a:p>
+            </p:txBody>
+          </p:sp>
+        </mc:Fallback>
+      </mc:AlternateContent>
+      <mc:AlternateContent xmlns:mc="http://schemas.openxmlformats.org/markup-compatibility/2006">
+        <mc:Choice xmlns:a14="http://schemas.microsoft.com/office/drawing/2010/main" Requires="a14">
+          <p:sp>
+            <p:nvSpPr>
+              <p:cNvPr id="31" name="TextBox 30"/>
+              <p:cNvSpPr txBox="1"/>
+              <p:nvPr/>
+            </p:nvSpPr>
+            <p:spPr>
+              <a:xfrm>
+                <a:off x="914400" y="1720334"/>
+                <a:ext cx="2133600" cy="477054"/>
+              </a:xfrm>
+              <a:prstGeom prst="rect">
+                <a:avLst/>
+              </a:prstGeom>
+              <a:noFill/>
+            </p:spPr>
+            <p:txBody>
+              <a:bodyPr wrap="square" rtlCol="0">
+                <a:spAutoFit/>
+              </a:bodyPr>
+              <a:lstStyle/>
+              <a:p>
+                <a14:m>
+                  <m:oMathPara xmlns:m="http://schemas.openxmlformats.org/officeDocument/2006/math">
+                    <m:oMathParaPr>
+                      <m:jc m:val="centerGroup"/>
+                    </m:oMathParaPr>
+                    <m:oMath xmlns:m="http://schemas.openxmlformats.org/officeDocument/2006/math">
+                      <m:r>
+                        <a:rPr lang="en-US" sz="2500" b="0" i="1" smtClean="0">
+                          <a:latin typeface="Cambria Math"/>
+                        </a:rPr>
+                        <m:t>𝐶</m:t>
+                      </m:r>
+                      <m:r>
+                        <a:rPr lang="en-US" sz="2500" b="0" i="1" smtClean="0">
+                          <a:latin typeface="Cambria Math"/>
+                        </a:rPr>
+                        <m:t>=</m:t>
+                      </m:r>
+                      <m:r>
+                        <a:rPr lang="en-US" sz="2500" b="0" i="1" smtClean="0">
+                          <a:latin typeface="Cambria Math"/>
+                        </a:rPr>
+                        <m:t>𝐴</m:t>
+                      </m:r>
+                      <m:r>
+                        <a:rPr lang="en-US" sz="2500" b="0" i="1" smtClean="0">
+                          <a:latin typeface="Cambria Math"/>
+                        </a:rPr>
+                        <m:t>⋅</m:t>
+                      </m:r>
+                      <m:r>
+                        <a:rPr lang="en-US" sz="2500" b="0" i="1" smtClean="0">
+                          <a:latin typeface="Cambria Math"/>
+                        </a:rPr>
+                        <m:t>𝐵</m:t>
+                      </m:r>
+                    </m:oMath>
+                  </m:oMathPara>
+                </a14:m>
+                <a:endParaRPr lang="en-US" sz="2500" dirty="0"/>
+              </a:p>
+            </p:txBody>
+          </p:sp>
+        </mc:Choice>
+        <mc:Fallback>
+          <p:sp>
+            <p:nvSpPr>
+              <p:cNvPr id="31" name="TextBox 30"/>
+              <p:cNvSpPr txBox="1">
+                <a:spLocks noRot="1" noChangeAspect="1" noMove="1" noResize="1" noEditPoints="1" noAdjustHandles="1" noChangeArrowheads="1" noChangeShapeType="1" noTextEdit="1"/>
+              </p:cNvSpPr>
+              <p:nvPr/>
+            </p:nvSpPr>
+            <p:spPr>
+              <a:xfrm>
+                <a:off x="914400" y="1720334"/>
+                <a:ext cx="2133600" cy="477054"/>
+              </a:xfrm>
+              <a:prstGeom prst="rect">
+                <a:avLst/>
+              </a:prstGeom>
+              <a:blipFill rotWithShape="1">
+                <a:blip r:embed="rId3"/>
+                <a:stretch>
+                  <a:fillRect/>
+                </a:stretch>
+              </a:blipFill>
+            </p:spPr>
+            <p:txBody>
+              <a:bodyPr/>
+              <a:lstStyle/>
+              <a:p>
+                <a:r>
+                  <a:rPr lang="en-US">
+                    <a:noFill/>
+                  </a:rPr>
+                  <a:t> </a:t>
+                </a:r>
+              </a:p>
+            </p:txBody>
+          </p:sp>
+        </mc:Fallback>
+      </mc:AlternateContent>
+      <mc:AlternateContent xmlns:mc="http://schemas.openxmlformats.org/markup-compatibility/2006">
+        <mc:Choice xmlns:a14="http://schemas.microsoft.com/office/drawing/2010/main" Requires="a14">
+          <p:sp>
+            <p:nvSpPr>
+              <p:cNvPr id="70" name="TextBox 69"/>
+              <p:cNvSpPr txBox="1"/>
+              <p:nvPr/>
+            </p:nvSpPr>
+            <p:spPr>
+              <a:xfrm>
+                <a:off x="4114800" y="742664"/>
+                <a:ext cx="2133600" cy="477054"/>
+              </a:xfrm>
+              <a:prstGeom prst="rect">
+                <a:avLst/>
+              </a:prstGeom>
+              <a:noFill/>
+            </p:spPr>
+            <p:txBody>
+              <a:bodyPr wrap="square" rtlCol="0">
+                <a:spAutoFit/>
+              </a:bodyPr>
+              <a:lstStyle/>
+              <a:p>
+                <a14:m>
+                  <m:oMathPara xmlns:m="http://schemas.openxmlformats.org/officeDocument/2006/math">
+                    <m:oMathParaPr>
+                      <m:jc m:val="centerGroup"/>
+                    </m:oMathParaPr>
+                    <m:oMath xmlns:m="http://schemas.openxmlformats.org/officeDocument/2006/math">
+                      <m:r>
+                        <a:rPr lang="en-US" sz="2500" b="0" i="1" smtClean="0">
+                          <a:latin typeface="Cambria Math"/>
+                        </a:rPr>
+                        <m:t>𝐴</m:t>
+                      </m:r>
+                    </m:oMath>
+                  </m:oMathPara>
+                </a14:m>
+                <a:endParaRPr lang="en-US" sz="2500" dirty="0"/>
+              </a:p>
+            </p:txBody>
+          </p:sp>
+        </mc:Choice>
+        <mc:Fallback>
+          <p:sp>
+            <p:nvSpPr>
+              <p:cNvPr id="70" name="TextBox 69"/>
+              <p:cNvSpPr txBox="1">
+                <a:spLocks noRot="1" noChangeAspect="1" noMove="1" noResize="1" noEditPoints="1" noAdjustHandles="1" noChangeArrowheads="1" noChangeShapeType="1" noTextEdit="1"/>
+              </p:cNvSpPr>
+              <p:nvPr/>
+            </p:nvSpPr>
+            <p:spPr>
+              <a:xfrm>
+                <a:off x="4114800" y="742664"/>
+                <a:ext cx="2133600" cy="477054"/>
+              </a:xfrm>
+              <a:prstGeom prst="rect">
+                <a:avLst/>
+              </a:prstGeom>
+              <a:blipFill rotWithShape="1">
+                <a:blip r:embed="rId4"/>
+                <a:stretch>
+                  <a:fillRect/>
+                </a:stretch>
+              </a:blipFill>
+            </p:spPr>
+            <p:txBody>
+              <a:bodyPr/>
+              <a:lstStyle/>
+              <a:p>
+                <a:r>
+                  <a:rPr lang="en-US">
+                    <a:noFill/>
+                  </a:rPr>
+                  <a:t> </a:t>
+                </a:r>
+              </a:p>
+            </p:txBody>
+          </p:sp>
+        </mc:Fallback>
+      </mc:AlternateContent>
+      <mc:AlternateContent xmlns:mc="http://schemas.openxmlformats.org/markup-compatibility/2006">
+        <mc:Choice xmlns:a14="http://schemas.microsoft.com/office/drawing/2010/main" Requires="a14">
+          <p:sp>
+            <p:nvSpPr>
+              <p:cNvPr id="71" name="TextBox 70"/>
+              <p:cNvSpPr txBox="1"/>
+              <p:nvPr/>
+            </p:nvSpPr>
+            <p:spPr>
+              <a:xfrm>
+                <a:off x="3962400" y="5410200"/>
+                <a:ext cx="2133600" cy="477054"/>
+              </a:xfrm>
+              <a:prstGeom prst="rect">
+                <a:avLst/>
+              </a:prstGeom>
+              <a:noFill/>
+            </p:spPr>
+            <p:txBody>
+              <a:bodyPr wrap="square" rtlCol="0">
+                <a:spAutoFit/>
+              </a:bodyPr>
+              <a:lstStyle/>
+              <a:p>
+                <a14:m>
+                  <m:oMathPara xmlns:m="http://schemas.openxmlformats.org/officeDocument/2006/math">
+                    <m:oMathParaPr>
+                      <m:jc m:val="centerGroup"/>
+                    </m:oMathParaPr>
+                    <m:oMath xmlns:m="http://schemas.openxmlformats.org/officeDocument/2006/math">
+                      <m:sSup>
+                        <m:sSupPr>
+                          <m:ctrlPr>
+                            <a:rPr lang="en-US" sz="2500" b="0" i="1" smtClean="0">
+                              <a:latin typeface="Cambria Math"/>
+                            </a:rPr>
+                          </m:ctrlPr>
+                        </m:sSupPr>
+                        <m:e>
+                          <m:r>
+                            <a:rPr lang="en-US" sz="2500" b="0" i="1" smtClean="0">
+                              <a:latin typeface="Cambria Math"/>
+                            </a:rPr>
+                            <m:t>𝐴</m:t>
+                          </m:r>
+                        </m:e>
+                        <m:sup>
+                          <m:r>
+                            <a:rPr lang="en-US" sz="2500" b="0" i="1" smtClean="0">
+                              <a:latin typeface="Cambria Math"/>
+                            </a:rPr>
+                            <m:t>𝑇</m:t>
+                          </m:r>
+                        </m:sup>
+                      </m:sSup>
+                    </m:oMath>
+                  </m:oMathPara>
+                </a14:m>
+                <a:endParaRPr lang="en-US" sz="2500" dirty="0"/>
+              </a:p>
+            </p:txBody>
+          </p:sp>
+        </mc:Choice>
+        <mc:Fallback>
+          <p:sp>
+            <p:nvSpPr>
+              <p:cNvPr id="71" name="TextBox 70"/>
+              <p:cNvSpPr txBox="1">
+                <a:spLocks noRot="1" noChangeAspect="1" noMove="1" noResize="1" noEditPoints="1" noAdjustHandles="1" noChangeArrowheads="1" noChangeShapeType="1" noTextEdit="1"/>
+              </p:cNvSpPr>
+              <p:nvPr/>
+            </p:nvSpPr>
+            <p:spPr>
+              <a:xfrm>
+                <a:off x="3962400" y="5410200"/>
+                <a:ext cx="2133600" cy="477054"/>
+              </a:xfrm>
+              <a:prstGeom prst="rect">
+                <a:avLst/>
+              </a:prstGeom>
+              <a:blipFill rotWithShape="1">
+                <a:blip r:embed="rId5"/>
+                <a:stretch>
+                  <a:fillRect/>
+                </a:stretch>
+              </a:blipFill>
+            </p:spPr>
+            <p:txBody>
+              <a:bodyPr/>
+              <a:lstStyle/>
+              <a:p>
+                <a:r>
+                  <a:rPr lang="en-US">
+                    <a:noFill/>
+                  </a:rPr>
+                  <a:t> </a:t>
+                </a:r>
+              </a:p>
+            </p:txBody>
+          </p:sp>
+        </mc:Fallback>
+      </mc:AlternateContent>
+      <mc:AlternateContent xmlns:mc="http://schemas.openxmlformats.org/markup-compatibility/2006">
+        <mc:Choice xmlns:a14="http://schemas.microsoft.com/office/drawing/2010/main" Requires="a14">
+          <p:sp>
+            <p:nvSpPr>
+              <p:cNvPr id="72" name="TextBox 71"/>
+              <p:cNvSpPr txBox="1"/>
+              <p:nvPr/>
+            </p:nvSpPr>
+            <p:spPr>
+              <a:xfrm>
+                <a:off x="6943344" y="1708666"/>
+                <a:ext cx="2133600" cy="477054"/>
+              </a:xfrm>
+              <a:prstGeom prst="rect">
+                <a:avLst/>
+              </a:prstGeom>
+              <a:noFill/>
+            </p:spPr>
+            <p:txBody>
+              <a:bodyPr wrap="square" rtlCol="0">
+                <a:spAutoFit/>
+              </a:bodyPr>
+              <a:lstStyle/>
+              <a:p>
+                <a14:m>
+                  <m:oMathPara xmlns:m="http://schemas.openxmlformats.org/officeDocument/2006/math">
+                    <m:oMathParaPr>
+                      <m:jc m:val="centerGroup"/>
+                    </m:oMathParaPr>
+                    <m:oMath xmlns:m="http://schemas.openxmlformats.org/officeDocument/2006/math">
+                      <m:r>
+                        <a:rPr lang="en-US" sz="2500" b="0" i="1" smtClean="0">
+                          <a:latin typeface="Cambria Math"/>
+                        </a:rPr>
+                        <m:t>𝐵</m:t>
+                      </m:r>
+                    </m:oMath>
+                  </m:oMathPara>
+                </a14:m>
+                <a:endParaRPr lang="en-US" sz="2500" dirty="0"/>
+              </a:p>
+            </p:txBody>
+          </p:sp>
+        </mc:Choice>
+        <mc:Fallback>
+          <p:sp>
+            <p:nvSpPr>
+              <p:cNvPr id="72" name="TextBox 71"/>
+              <p:cNvSpPr txBox="1">
+                <a:spLocks noRot="1" noChangeAspect="1" noMove="1" noResize="1" noEditPoints="1" noAdjustHandles="1" noChangeArrowheads="1" noChangeShapeType="1" noTextEdit="1"/>
+              </p:cNvSpPr>
+              <p:nvPr/>
+            </p:nvSpPr>
+            <p:spPr>
+              <a:xfrm>
+                <a:off x="6943344" y="1708666"/>
+                <a:ext cx="2133600" cy="477054"/>
+              </a:xfrm>
+              <a:prstGeom prst="rect">
+                <a:avLst/>
+              </a:prstGeom>
+              <a:blipFill rotWithShape="1">
+                <a:blip r:embed="rId6"/>
+                <a:stretch>
+                  <a:fillRect/>
+                </a:stretch>
+              </a:blipFill>
+            </p:spPr>
+            <p:txBody>
+              <a:bodyPr/>
+              <a:lstStyle/>
+              <a:p>
+                <a:r>
+                  <a:rPr lang="en-US">
+                    <a:noFill/>
+                  </a:rPr>
+                  <a:t> </a:t>
+                </a:r>
+              </a:p>
+            </p:txBody>
+          </p:sp>
+        </mc:Fallback>
+      </mc:AlternateContent>
+      <p:cxnSp>
+        <p:nvCxnSpPr>
+          <p:cNvPr id="74" name="Straight Arrow Connector 73"/>
+          <p:cNvCxnSpPr>
+            <a:stCxn id="16" idx="1"/>
+          </p:cNvCxnSpPr>
+          <p:nvPr/>
+        </p:nvCxnSpPr>
+        <p:spPr>
+          <a:xfrm flipH="1" flipV="1">
+            <a:off x="6553200" y="1905000"/>
+            <a:ext cx="533400" cy="1324618"/>
+          </a:xfrm>
+          <a:prstGeom prst="straightConnector1">
+            <a:avLst/>
+          </a:prstGeom>
+          <a:ln>
+            <a:tailEnd type="arrow"/>
+          </a:ln>
+        </p:spPr>
+        <p:style>
+          <a:lnRef idx="3">
+            <a:schemeClr val="accent1"/>
+          </a:lnRef>
+          <a:fillRef idx="0">
+            <a:schemeClr val="accent1"/>
+          </a:fillRef>
+          <a:effectRef idx="2">
+            <a:schemeClr val="accent1"/>
+          </a:effectRef>
+          <a:fontRef idx="minor">
+            <a:schemeClr val="tx1"/>
+          </a:fontRef>
+        </p:style>
+      </p:cxnSp>
+      <p:cxnSp>
+        <p:nvCxnSpPr>
+          <p:cNvPr id="76" name="Straight Arrow Connector 75"/>
+          <p:cNvCxnSpPr>
+            <a:stCxn id="16" idx="1"/>
+            <a:endCxn id="23" idx="3"/>
+          </p:cNvCxnSpPr>
+          <p:nvPr/>
+        </p:nvCxnSpPr>
+        <p:spPr>
+          <a:xfrm flipH="1">
+            <a:off x="6019800" y="3229618"/>
+            <a:ext cx="1066800" cy="885182"/>
+          </a:xfrm>
+          <a:prstGeom prst="straightConnector1">
+            <a:avLst/>
+          </a:prstGeom>
+          <a:ln>
+            <a:tailEnd type="arrow"/>
+          </a:ln>
+        </p:spPr>
+        <p:style>
+          <a:lnRef idx="3">
+            <a:schemeClr val="accent1"/>
+          </a:lnRef>
+          <a:fillRef idx="0">
+            <a:schemeClr val="accent1"/>
+          </a:fillRef>
+          <a:effectRef idx="2">
+            <a:schemeClr val="accent1"/>
+          </a:effectRef>
+          <a:fontRef idx="minor">
+            <a:schemeClr val="tx1"/>
+          </a:fontRef>
+        </p:style>
+      </p:cxnSp>
+      <p:cxnSp>
+        <p:nvCxnSpPr>
+          <p:cNvPr id="78" name="Straight Arrow Connector 77"/>
+          <p:cNvCxnSpPr>
+            <a:stCxn id="22" idx="1"/>
+          </p:cNvCxnSpPr>
+          <p:nvPr/>
+        </p:nvCxnSpPr>
+        <p:spPr>
+          <a:xfrm flipH="1">
+            <a:off x="2743200" y="4114800"/>
+            <a:ext cx="1447800" cy="0"/>
+          </a:xfrm>
+          <a:prstGeom prst="straightConnector1">
+            <a:avLst/>
+          </a:prstGeom>
+          <a:ln>
+            <a:tailEnd type="arrow"/>
+          </a:ln>
+        </p:spPr>
+        <p:style>
+          <a:lnRef idx="3">
+            <a:schemeClr val="accent1"/>
+          </a:lnRef>
+          <a:fillRef idx="0">
+            <a:schemeClr val="accent1"/>
+          </a:fillRef>
+          <a:effectRef idx="2">
+            <a:schemeClr val="accent1"/>
+          </a:effectRef>
+          <a:fontRef idx="minor">
+            <a:schemeClr val="tx1"/>
+          </a:fontRef>
+        </p:style>
+      </p:cxnSp>
+      <p:cxnSp>
+        <p:nvCxnSpPr>
+          <p:cNvPr id="81" name="Straight Arrow Connector 80"/>
+          <p:cNvCxnSpPr/>
+          <p:nvPr/>
+        </p:nvCxnSpPr>
+        <p:spPr>
+          <a:xfrm flipH="1">
+            <a:off x="2667000" y="1905000"/>
+            <a:ext cx="1143000" cy="0"/>
+          </a:xfrm>
+          <a:prstGeom prst="straightConnector1">
+            <a:avLst/>
+          </a:prstGeom>
+          <a:ln>
+            <a:tailEnd type="arrow"/>
+          </a:ln>
+        </p:spPr>
+        <p:style>
+          <a:lnRef idx="3">
+            <a:schemeClr val="accent1"/>
+          </a:lnRef>
+          <a:fillRef idx="0">
+            <a:schemeClr val="accent1"/>
+          </a:fillRef>
+          <a:effectRef idx="2">
+            <a:schemeClr val="accent1"/>
+          </a:effectRef>
+          <a:fontRef idx="minor">
+            <a:schemeClr val="tx1"/>
+          </a:fontRef>
+        </p:style>
+      </p:cxnSp>
+    </p:spTree>
+    <p:extLst>
+      <p:ext uri="{BB962C8B-B14F-4D97-AF65-F5344CB8AC3E}">
+        <p14:creationId xmlns:p14="http://schemas.microsoft.com/office/powerpoint/2010/main" val="768751584"/>
       </p:ext>
     </p:extLst>
   </p:cSld>
@@ -6054,4 +11024,289 @@
   <a:objectDefaults/>
   <a:extraClrSchemeLst/>
 </a:theme>
+</file>
+
+<file path=ppt/theme/theme2.xml><?xml version="1.0" encoding="utf-8"?>
+<a:theme xmlns:a="http://schemas.openxmlformats.org/drawingml/2006/main" name="Office Theme">
+  <a:themeElements>
+    <a:clrScheme name="Office">
+      <a:dk1>
+        <a:sysClr val="windowText" lastClr="000000"/>
+      </a:dk1>
+      <a:lt1>
+        <a:sysClr val="window" lastClr="FFFFFF"/>
+      </a:lt1>
+      <a:dk2>
+        <a:srgbClr val="1F497D"/>
+      </a:dk2>
+      <a:lt2>
+        <a:srgbClr val="EEECE1"/>
+      </a:lt2>
+      <a:accent1>
+        <a:srgbClr val="4F81BD"/>
+      </a:accent1>
+      <a:accent2>
+        <a:srgbClr val="C0504D"/>
+      </a:accent2>
+      <a:accent3>
+        <a:srgbClr val="9BBB59"/>
+      </a:accent3>
+      <a:accent4>
+        <a:srgbClr val="8064A2"/>
+      </a:accent4>
+      <a:accent5>
+        <a:srgbClr val="4BACC6"/>
+      </a:accent5>
+      <a:accent6>
+        <a:srgbClr val="F79646"/>
+      </a:accent6>
+      <a:hlink>
+        <a:srgbClr val="0000FF"/>
+      </a:hlink>
+      <a:folHlink>
+        <a:srgbClr val="800080"/>
+      </a:folHlink>
+    </a:clrScheme>
+    <a:fontScheme name="Office">
+      <a:majorFont>
+        <a:latin typeface="Calibri"/>
+        <a:ea typeface=""/>
+        <a:cs typeface=""/>
+        <a:font script="Jpan" typeface="ＭＳ Ｐゴシック"/>
+        <a:font script="Hang" typeface="맑은 고딕"/>
+        <a:font script="Hans" typeface="宋体"/>
+        <a:font script="Hant" typeface="新細明體"/>
+        <a:font script="Arab" typeface="Times New Roman"/>
+        <a:font script="Hebr" typeface="Times New Roman"/>
+        <a:font script="Thai" typeface="Angsana New"/>
+        <a:font script="Ethi" typeface="Nyala"/>
+        <a:font script="Beng" typeface="Vrinda"/>
+        <a:font script="Gujr" typeface="Shruti"/>
+        <a:font script="Khmr" typeface="MoolBoran"/>
+        <a:font script="Knda" typeface="Tunga"/>
+        <a:font script="Guru" typeface="Raavi"/>
+        <a:font script="Cans" typeface="Euphemia"/>
+        <a:font script="Cher" typeface="Plantagenet Cherokee"/>
+        <a:font script="Yiii" typeface="Microsoft Yi Baiti"/>
+        <a:font script="Tibt" typeface="Microsoft Himalaya"/>
+        <a:font script="Thaa" typeface="MV Boli"/>
+        <a:font script="Deva" typeface="Mangal"/>
+        <a:font script="Telu" typeface="Gautami"/>
+        <a:font script="Taml" typeface="Latha"/>
+        <a:font script="Syrc" typeface="Estrangelo Edessa"/>
+        <a:font script="Orya" typeface="Kalinga"/>
+        <a:font script="Mlym" typeface="Kartika"/>
+        <a:font script="Laoo" typeface="DokChampa"/>
+        <a:font script="Sinh" typeface="Iskoola Pota"/>
+        <a:font script="Mong" typeface="Mongolian Baiti"/>
+        <a:font script="Viet" typeface="Times New Roman"/>
+        <a:font script="Uigh" typeface="Microsoft Uighur"/>
+        <a:font script="Geor" typeface="Sylfaen"/>
+      </a:majorFont>
+      <a:minorFont>
+        <a:latin typeface="Calibri"/>
+        <a:ea typeface=""/>
+        <a:cs typeface=""/>
+        <a:font script="Jpan" typeface="ＭＳ Ｐゴシック"/>
+        <a:font script="Hang" typeface="맑은 고딕"/>
+        <a:font script="Hans" typeface="宋体"/>
+        <a:font script="Hant" typeface="新細明體"/>
+        <a:font script="Arab" typeface="Arial"/>
+        <a:font script="Hebr" typeface="Arial"/>
+        <a:font script="Thai" typeface="Cordia New"/>
+        <a:font script="Ethi" typeface="Nyala"/>
+        <a:font script="Beng" typeface="Vrinda"/>
+        <a:font script="Gujr" typeface="Shruti"/>
+        <a:font script="Khmr" typeface="DaunPenh"/>
+        <a:font script="Knda" typeface="Tunga"/>
+        <a:font script="Guru" typeface="Raavi"/>
+        <a:font script="Cans" typeface="Euphemia"/>
+        <a:font script="Cher" typeface="Plantagenet Cherokee"/>
+        <a:font script="Yiii" typeface="Microsoft Yi Baiti"/>
+        <a:font script="Tibt" typeface="Microsoft Himalaya"/>
+        <a:font script="Thaa" typeface="MV Boli"/>
+        <a:font script="Deva" typeface="Mangal"/>
+        <a:font script="Telu" typeface="Gautami"/>
+        <a:font script="Taml" typeface="Latha"/>
+        <a:font script="Syrc" typeface="Estrangelo Edessa"/>
+        <a:font script="Orya" typeface="Kalinga"/>
+        <a:font script="Mlym" typeface="Kartika"/>
+        <a:font script="Laoo" typeface="DokChampa"/>
+        <a:font script="Sinh" typeface="Iskoola Pota"/>
+        <a:font script="Mong" typeface="Mongolian Baiti"/>
+        <a:font script="Viet" typeface="Arial"/>
+        <a:font script="Uigh" typeface="Microsoft Uighur"/>
+        <a:font script="Geor" typeface="Sylfaen"/>
+      </a:minorFont>
+    </a:fontScheme>
+    <a:fmtScheme name="Office">
+      <a:fillStyleLst>
+        <a:solidFill>
+          <a:schemeClr val="phClr"/>
+        </a:solidFill>
+        <a:gradFill rotWithShape="1">
+          <a:gsLst>
+            <a:gs pos="0">
+              <a:schemeClr val="phClr">
+                <a:tint val="50000"/>
+                <a:satMod val="300000"/>
+              </a:schemeClr>
+            </a:gs>
+            <a:gs pos="35000">
+              <a:schemeClr val="phClr">
+                <a:tint val="37000"/>
+                <a:satMod val="300000"/>
+              </a:schemeClr>
+            </a:gs>
+            <a:gs pos="100000">
+              <a:schemeClr val="phClr">
+                <a:tint val="15000"/>
+                <a:satMod val="350000"/>
+              </a:schemeClr>
+            </a:gs>
+          </a:gsLst>
+          <a:lin ang="16200000" scaled="1"/>
+        </a:gradFill>
+        <a:gradFill rotWithShape="1">
+          <a:gsLst>
+            <a:gs pos="0">
+              <a:schemeClr val="phClr">
+                <a:shade val="51000"/>
+                <a:satMod val="130000"/>
+              </a:schemeClr>
+            </a:gs>
+            <a:gs pos="80000">
+              <a:schemeClr val="phClr">
+                <a:shade val="93000"/>
+                <a:satMod val="130000"/>
+              </a:schemeClr>
+            </a:gs>
+            <a:gs pos="100000">
+              <a:schemeClr val="phClr">
+                <a:shade val="94000"/>
+                <a:satMod val="135000"/>
+              </a:schemeClr>
+            </a:gs>
+          </a:gsLst>
+          <a:lin ang="16200000" scaled="0"/>
+        </a:gradFill>
+      </a:fillStyleLst>
+      <a:lnStyleLst>
+        <a:ln w="9525" cap="flat" cmpd="sng" algn="ctr">
+          <a:solidFill>
+            <a:schemeClr val="phClr">
+              <a:shade val="95000"/>
+              <a:satMod val="105000"/>
+            </a:schemeClr>
+          </a:solidFill>
+          <a:prstDash val="solid"/>
+        </a:ln>
+        <a:ln w="25400" cap="flat" cmpd="sng" algn="ctr">
+          <a:solidFill>
+            <a:schemeClr val="phClr"/>
+          </a:solidFill>
+          <a:prstDash val="solid"/>
+        </a:ln>
+        <a:ln w="38100" cap="flat" cmpd="sng" algn="ctr">
+          <a:solidFill>
+            <a:schemeClr val="phClr"/>
+          </a:solidFill>
+          <a:prstDash val="solid"/>
+        </a:ln>
+      </a:lnStyleLst>
+      <a:effectStyleLst>
+        <a:effectStyle>
+          <a:effectLst>
+            <a:outerShdw blurRad="40000" dist="20000" dir="5400000" rotWithShape="0">
+              <a:srgbClr val="000000">
+                <a:alpha val="38000"/>
+              </a:srgbClr>
+            </a:outerShdw>
+          </a:effectLst>
+        </a:effectStyle>
+        <a:effectStyle>
+          <a:effectLst>
+            <a:outerShdw blurRad="40000" dist="23000" dir="5400000" rotWithShape="0">
+              <a:srgbClr val="000000">
+                <a:alpha val="35000"/>
+              </a:srgbClr>
+            </a:outerShdw>
+          </a:effectLst>
+        </a:effectStyle>
+        <a:effectStyle>
+          <a:effectLst>
+            <a:outerShdw blurRad="40000" dist="23000" dir="5400000" rotWithShape="0">
+              <a:srgbClr val="000000">
+                <a:alpha val="35000"/>
+              </a:srgbClr>
+            </a:outerShdw>
+          </a:effectLst>
+          <a:scene3d>
+            <a:camera prst="orthographicFront">
+              <a:rot lat="0" lon="0" rev="0"/>
+            </a:camera>
+            <a:lightRig rig="threePt" dir="t">
+              <a:rot lat="0" lon="0" rev="1200000"/>
+            </a:lightRig>
+          </a:scene3d>
+          <a:sp3d>
+            <a:bevelT w="63500" h="25400"/>
+          </a:sp3d>
+        </a:effectStyle>
+      </a:effectStyleLst>
+      <a:bgFillStyleLst>
+        <a:solidFill>
+          <a:schemeClr val="phClr"/>
+        </a:solidFill>
+        <a:gradFill rotWithShape="1">
+          <a:gsLst>
+            <a:gs pos="0">
+              <a:schemeClr val="phClr">
+                <a:tint val="40000"/>
+                <a:satMod val="350000"/>
+              </a:schemeClr>
+            </a:gs>
+            <a:gs pos="40000">
+              <a:schemeClr val="phClr">
+                <a:tint val="45000"/>
+                <a:shade val="99000"/>
+                <a:satMod val="350000"/>
+              </a:schemeClr>
+            </a:gs>
+            <a:gs pos="100000">
+              <a:schemeClr val="phClr">
+                <a:shade val="20000"/>
+                <a:satMod val="255000"/>
+              </a:schemeClr>
+            </a:gs>
+          </a:gsLst>
+          <a:path path="circle">
+            <a:fillToRect l="50000" t="-80000" r="50000" b="180000"/>
+          </a:path>
+        </a:gradFill>
+        <a:gradFill rotWithShape="1">
+          <a:gsLst>
+            <a:gs pos="0">
+              <a:schemeClr val="phClr">
+                <a:tint val="80000"/>
+                <a:satMod val="300000"/>
+              </a:schemeClr>
+            </a:gs>
+            <a:gs pos="100000">
+              <a:schemeClr val="phClr">
+                <a:shade val="30000"/>
+                <a:satMod val="200000"/>
+              </a:schemeClr>
+            </a:gs>
+          </a:gsLst>
+          <a:path path="circle">
+            <a:fillToRect l="50000" t="50000" r="50000" b="50000"/>
+          </a:path>
+        </a:gradFill>
+      </a:bgFillStyleLst>
+    </a:fmtScheme>
+  </a:themeElements>
+  <a:objectDefaults/>
+  <a:extraClrSchemeLst/>
+</a:theme>
 </file>